--- a/etc/2022 부천미래교육센터 멘토링.pptx
+++ b/etc/2022 부천미래교육센터 멘토링.pptx
@@ -9,13 +9,15 @@
     <p:sldId id="257" r:id="rId3"/>
     <p:sldId id="258" r:id="rId4"/>
     <p:sldId id="260" r:id="rId5"/>
-    <p:sldId id="259" r:id="rId6"/>
-    <p:sldId id="261" r:id="rId7"/>
+    <p:sldId id="261" r:id="rId6"/>
+    <p:sldId id="268" r:id="rId7"/>
     <p:sldId id="262" r:id="rId8"/>
-    <p:sldId id="263" r:id="rId9"/>
+    <p:sldId id="267" r:id="rId9"/>
     <p:sldId id="264" r:id="rId10"/>
-    <p:sldId id="265" r:id="rId11"/>
-    <p:sldId id="266" r:id="rId12"/>
+    <p:sldId id="263" r:id="rId11"/>
+    <p:sldId id="259" r:id="rId12"/>
+    <p:sldId id="265" r:id="rId13"/>
+    <p:sldId id="266" r:id="rId14"/>
   </p:sldIdLst>
   <p:sldSz cx="12192000" cy="6858000"/>
   <p:notesSz cx="6858000" cy="9144000"/>
@@ -114,6 +116,11 @@
       </a:defRPr>
     </a:lvl9pPr>
   </p:defaultTextStyle>
+  <p:extLst>
+    <p:ext uri="{EFAFB233-063F-42B5-8137-9DF3F51BA10A}">
+      <p15:sldGuideLst xmlns:p15="http://schemas.microsoft.com/office/powerpoint/2012/main"/>
+    </p:ext>
+  </p:extLst>
 </p:presentation>
 </file>
 
@@ -3459,13 +3466,13 @@
   <p:clrMapOvr>
     <a:masterClrMapping/>
   </p:clrMapOvr>
-  <mc:AlternateContent xmlns:mc="http://schemas.openxmlformats.org/markup-compatibility/2006">
-    <mc:Choice xmlns:p159="http://schemas.microsoft.com/office/powerpoint/2015/09/main" Requires="p159">
+  <mc:AlternateContent xmlns:mc="http://schemas.openxmlformats.org/markup-compatibility/2006" xmlns:p159="http://schemas.microsoft.com/office/powerpoint/2015/09/main">
+    <mc:Choice Requires="p159">
       <p:transition xmlns:p14="http://schemas.microsoft.com/office/powerpoint/2010/main" spd="slow" p14:dur="3000">
         <p159:morph option="byObject"/>
       </p:transition>
     </mc:Choice>
-    <mc:Fallback>
+    <mc:Fallback xmlns="">
       <p:transition spd="slow">
         <p:fade/>
       </p:transition>
@@ -3493,54 +3500,714 @@
       </p:grpSpPr>
       <p:sp>
         <p:nvSpPr>
-          <p:cNvPr id="2" name="제목 1">
-            <a:extLst>
-              <a:ext uri="{FF2B5EF4-FFF2-40B4-BE49-F238E27FC236}">
-                <a16:creationId xmlns:a16="http://schemas.microsoft.com/office/drawing/2014/main" id="{555A6194-CC4F-C70A-8DA8-3708F0965A05}"/>
-              </a:ext>
-            </a:extLst>
-          </p:cNvPr>
-          <p:cNvSpPr>
-            <a:spLocks noGrp="1"/>
-          </p:cNvSpPr>
-          <p:nvPr>
-            <p:ph type="title"/>
-          </p:nvPr>
-        </p:nvSpPr>
-        <p:spPr/>
-        <p:txBody>
-          <a:bodyPr/>
+          <p:cNvPr id="17" name="사각형: 둥근 모서리 16">
+            <a:extLst>
+              <a:ext uri="{FF2B5EF4-FFF2-40B4-BE49-F238E27FC236}">
+                <a16:creationId xmlns:a16="http://schemas.microsoft.com/office/drawing/2014/main" id="{D42BCDBB-0835-0963-5B5B-0F7A657A8014}"/>
+              </a:ext>
+            </a:extLst>
+          </p:cNvPr>
+          <p:cNvSpPr/>
+          <p:nvPr/>
+        </p:nvSpPr>
+        <p:spPr>
+          <a:xfrm>
+            <a:off x="6781210" y="216555"/>
+            <a:ext cx="5203495" cy="6372413"/>
+          </a:xfrm>
+          <a:prstGeom prst="roundRect">
+            <a:avLst/>
+          </a:prstGeom>
+          <a:solidFill>
+            <a:schemeClr val="bg1">
+              <a:lumMod val="95000"/>
+            </a:schemeClr>
+          </a:solidFill>
+          <a:ln>
+            <a:noFill/>
+          </a:ln>
+        </p:spPr>
+        <p:style>
+          <a:lnRef idx="2">
+            <a:schemeClr val="accent6"/>
+          </a:lnRef>
+          <a:fillRef idx="1">
+            <a:schemeClr val="lt1"/>
+          </a:fillRef>
+          <a:effectRef idx="0">
+            <a:schemeClr val="accent6"/>
+          </a:effectRef>
+          <a:fontRef idx="minor">
+            <a:schemeClr val="dk1"/>
+          </a:fontRef>
+        </p:style>
+        <p:txBody>
+          <a:bodyPr rtlCol="0" anchor="ctr"/>
           <a:lstStyle/>
           <a:p>
+            <a:pPr algn="ctr"/>
             <a:endParaRPr lang="ko-KR" altLang="en-US"/>
           </a:p>
         </p:txBody>
       </p:sp>
       <p:sp>
         <p:nvSpPr>
-          <p:cNvPr id="3" name="내용 개체 틀 2">
-            <a:extLst>
-              <a:ext uri="{FF2B5EF4-FFF2-40B4-BE49-F238E27FC236}">
-                <a16:creationId xmlns:a16="http://schemas.microsoft.com/office/drawing/2014/main" id="{38484E7C-F4FC-F98F-8D50-68C3A67AE0F0}"/>
-              </a:ext>
-            </a:extLst>
-          </p:cNvPr>
-          <p:cNvSpPr>
-            <a:spLocks noGrp="1"/>
-          </p:cNvSpPr>
-          <p:nvPr>
-            <p:ph idx="1"/>
-          </p:nvPr>
-        </p:nvSpPr>
-        <p:spPr/>
-        <p:txBody>
-          <a:bodyPr/>
+          <p:cNvPr id="16" name="사각형: 둥근 모서리 15">
+            <a:extLst>
+              <a:ext uri="{FF2B5EF4-FFF2-40B4-BE49-F238E27FC236}">
+                <a16:creationId xmlns:a16="http://schemas.microsoft.com/office/drawing/2014/main" id="{F0A486C9-45DD-6A1B-8A23-34D02FFA70F2}"/>
+              </a:ext>
+            </a:extLst>
+          </p:cNvPr>
+          <p:cNvSpPr/>
+          <p:nvPr/>
+        </p:nvSpPr>
+        <p:spPr>
+          <a:xfrm>
+            <a:off x="107414" y="221673"/>
+            <a:ext cx="5203495" cy="6372413"/>
+          </a:xfrm>
+          <a:prstGeom prst="roundRect">
+            <a:avLst/>
+          </a:prstGeom>
+          <a:solidFill>
+            <a:schemeClr val="bg1">
+              <a:lumMod val="95000"/>
+            </a:schemeClr>
+          </a:solidFill>
+          <a:ln>
+            <a:noFill/>
+          </a:ln>
+        </p:spPr>
+        <p:style>
+          <a:lnRef idx="2">
+            <a:schemeClr val="accent6"/>
+          </a:lnRef>
+          <a:fillRef idx="1">
+            <a:schemeClr val="lt1"/>
+          </a:fillRef>
+          <a:effectRef idx="0">
+            <a:schemeClr val="accent6"/>
+          </a:effectRef>
+          <a:fontRef idx="minor">
+            <a:schemeClr val="dk1"/>
+          </a:fontRef>
+        </p:style>
+        <p:txBody>
+          <a:bodyPr rtlCol="0" anchor="ctr"/>
           <a:lstStyle/>
           <a:p>
+            <a:pPr algn="ctr"/>
             <a:endParaRPr lang="ko-KR" altLang="en-US"/>
           </a:p>
         </p:txBody>
       </p:sp>
+      <p:pic>
+        <p:nvPicPr>
+          <p:cNvPr id="5" name="students.png" descr="students.png">
+            <a:extLst>
+              <a:ext uri="{FF2B5EF4-FFF2-40B4-BE49-F238E27FC236}">
+                <a16:creationId xmlns:a16="http://schemas.microsoft.com/office/drawing/2014/main" id="{9D51849A-61EB-3EE8-3FEE-6D5653327EEC}"/>
+              </a:ext>
+            </a:extLst>
+          </p:cNvPr>
+          <p:cNvPicPr>
+            <a:picLocks noChangeAspect="1"/>
+          </p:cNvPicPr>
+          <p:nvPr/>
+        </p:nvPicPr>
+        <p:blipFill>
+          <a:blip r:embed="rId2"/>
+          <a:stretch>
+            <a:fillRect/>
+          </a:stretch>
+        </p:blipFill>
+        <p:spPr>
+          <a:xfrm>
+            <a:off x="393078" y="595258"/>
+            <a:ext cx="1667395" cy="1667395"/>
+          </a:xfrm>
+          <a:prstGeom prst="rect">
+            <a:avLst/>
+          </a:prstGeom>
+          <a:ln w="12700">
+            <a:miter lim="400000"/>
+          </a:ln>
+        </p:spPr>
+      </p:pic>
+      <p:grpSp>
+        <p:nvGrpSpPr>
+          <p:cNvPr id="6" name="그룹">
+            <a:extLst>
+              <a:ext uri="{FF2B5EF4-FFF2-40B4-BE49-F238E27FC236}">
+                <a16:creationId xmlns:a16="http://schemas.microsoft.com/office/drawing/2014/main" id="{078CF2E0-4246-0C89-C6DD-CA60CD0D2FA3}"/>
+              </a:ext>
+            </a:extLst>
+          </p:cNvPr>
+          <p:cNvGrpSpPr/>
+          <p:nvPr/>
+        </p:nvGrpSpPr>
+        <p:grpSpPr>
+          <a:xfrm>
+            <a:off x="8869118" y="4608935"/>
+            <a:ext cx="2819290" cy="1682325"/>
+            <a:chOff x="0" y="0"/>
+            <a:chExt cx="5762420" cy="3197278"/>
+          </a:xfrm>
+        </p:grpSpPr>
+        <p:pic>
+          <p:nvPicPr>
+            <p:cNvPr id="7" name="developer.png" descr="developer.png">
+              <a:extLst>
+                <a:ext uri="{FF2B5EF4-FFF2-40B4-BE49-F238E27FC236}">
+                  <a16:creationId xmlns:a16="http://schemas.microsoft.com/office/drawing/2014/main" id="{AF3BF5A8-5D5A-D234-E2D6-BDF90862A787}"/>
+                </a:ext>
+              </a:extLst>
+            </p:cNvPr>
+            <p:cNvPicPr>
+              <a:picLocks noChangeAspect="1"/>
+            </p:cNvPicPr>
+            <p:nvPr/>
+          </p:nvPicPr>
+          <p:blipFill>
+            <a:blip r:embed="rId3"/>
+            <a:stretch>
+              <a:fillRect/>
+            </a:stretch>
+          </p:blipFill>
+          <p:spPr>
+            <a:xfrm>
+              <a:off x="2565142" y="0"/>
+              <a:ext cx="3197279" cy="3197279"/>
+            </a:xfrm>
+            <a:prstGeom prst="rect">
+              <a:avLst/>
+            </a:prstGeom>
+            <a:ln w="12700" cap="flat">
+              <a:noFill/>
+              <a:miter lim="400000"/>
+            </a:ln>
+            <a:effectLst/>
+          </p:spPr>
+        </p:pic>
+        <p:pic>
+          <p:nvPicPr>
+            <p:cNvPr id="8" name="programmer (2).png" descr="programmer (2).png">
+              <a:extLst>
+                <a:ext uri="{FF2B5EF4-FFF2-40B4-BE49-F238E27FC236}">
+                  <a16:creationId xmlns:a16="http://schemas.microsoft.com/office/drawing/2014/main" id="{E3B294ED-50BE-71B6-1727-768EB3C6F5EA}"/>
+                </a:ext>
+              </a:extLst>
+            </p:cNvPr>
+            <p:cNvPicPr>
+              <a:picLocks noChangeAspect="1"/>
+            </p:cNvPicPr>
+            <p:nvPr/>
+          </p:nvPicPr>
+          <p:blipFill>
+            <a:blip r:embed="rId4"/>
+            <a:stretch>
+              <a:fillRect/>
+            </a:stretch>
+          </p:blipFill>
+          <p:spPr>
+            <a:xfrm>
+              <a:off x="0" y="0"/>
+              <a:ext cx="3197279" cy="3197279"/>
+            </a:xfrm>
+            <a:prstGeom prst="rect">
+              <a:avLst/>
+            </a:prstGeom>
+            <a:ln w="12700" cap="flat">
+              <a:noFill/>
+              <a:miter lim="400000"/>
+            </a:ln>
+            <a:effectLst/>
+          </p:spPr>
+        </p:pic>
+      </p:grpSp>
+      <p:sp>
+        <p:nvSpPr>
+          <p:cNvPr id="9" name="TextBox 8">
+            <a:extLst>
+              <a:ext uri="{FF2B5EF4-FFF2-40B4-BE49-F238E27FC236}">
+                <a16:creationId xmlns:a16="http://schemas.microsoft.com/office/drawing/2014/main" id="{E97D7FFC-DCD0-B1A0-2209-2662026871F3}"/>
+              </a:ext>
+            </a:extLst>
+          </p:cNvPr>
+          <p:cNvSpPr txBox="1"/>
+          <p:nvPr/>
+        </p:nvSpPr>
+        <p:spPr>
+          <a:xfrm>
+            <a:off x="2589195" y="2610182"/>
+            <a:ext cx="1826701" cy="369332"/>
+          </a:xfrm>
+          <a:prstGeom prst="rect">
+            <a:avLst/>
+          </a:prstGeom>
+          <a:noFill/>
+        </p:spPr>
+        <p:txBody>
+          <a:bodyPr wrap="square" rtlCol="0">
+            <a:spAutoFit/>
+          </a:bodyPr>
+          <a:lstStyle>
+            <a:defPPr>
+              <a:defRPr lang="ko-KR"/>
+            </a:defPPr>
+            <a:lvl1pPr>
+              <a:defRPr>
+                <a:solidFill>
+                  <a:schemeClr val="tx1">
+                    <a:lumMod val="85000"/>
+                    <a:lumOff val="15000"/>
+                  </a:schemeClr>
+                </a:solidFill>
+                <a:latin typeface="+mj-ea"/>
+                <a:ea typeface="+mj-ea"/>
+              </a:defRPr>
+            </a:lvl1pPr>
+          </a:lstStyle>
+          <a:p>
+            <a:r>
+              <a:rPr lang="ko-KR" altLang="en-US" dirty="0" err="1">
+                <a:solidFill>
+                  <a:schemeClr val="tx1">
+                    <a:lumMod val="75000"/>
+                    <a:lumOff val="25000"/>
+                  </a:schemeClr>
+                </a:solidFill>
+              </a:rPr>
+              <a:t>프론트엔드</a:t>
+            </a:r>
+            <a:endParaRPr lang="ko-KR" altLang="en-US" dirty="0">
+              <a:solidFill>
+                <a:schemeClr val="tx1">
+                  <a:lumMod val="75000"/>
+                  <a:lumOff val="25000"/>
+                </a:schemeClr>
+              </a:solidFill>
+            </a:endParaRPr>
+          </a:p>
+        </p:txBody>
+      </p:sp>
+      <p:sp>
+        <p:nvSpPr>
+          <p:cNvPr id="10" name="TextBox 9">
+            <a:extLst>
+              <a:ext uri="{FF2B5EF4-FFF2-40B4-BE49-F238E27FC236}">
+                <a16:creationId xmlns:a16="http://schemas.microsoft.com/office/drawing/2014/main" id="{6AD89578-8867-38F2-9A68-89817F3AFF25}"/>
+              </a:ext>
+            </a:extLst>
+          </p:cNvPr>
+          <p:cNvSpPr txBox="1"/>
+          <p:nvPr/>
+        </p:nvSpPr>
+        <p:spPr>
+          <a:xfrm>
+            <a:off x="3916676" y="2002259"/>
+            <a:ext cx="1667395" cy="369332"/>
+          </a:xfrm>
+          <a:prstGeom prst="rect">
+            <a:avLst/>
+          </a:prstGeom>
+          <a:noFill/>
+        </p:spPr>
+        <p:txBody>
+          <a:bodyPr wrap="square" rtlCol="0">
+            <a:spAutoFit/>
+          </a:bodyPr>
+          <a:lstStyle>
+            <a:defPPr>
+              <a:defRPr lang="ko-KR"/>
+            </a:defPPr>
+            <a:lvl1pPr>
+              <a:defRPr>
+                <a:solidFill>
+                  <a:schemeClr val="tx1">
+                    <a:lumMod val="85000"/>
+                    <a:lumOff val="15000"/>
+                  </a:schemeClr>
+                </a:solidFill>
+                <a:latin typeface="+mj-ea"/>
+                <a:ea typeface="+mj-ea"/>
+              </a:defRPr>
+            </a:lvl1pPr>
+          </a:lstStyle>
+          <a:p>
+            <a:r>
+              <a:rPr lang="ko-KR" altLang="en-US" dirty="0">
+                <a:solidFill>
+                  <a:schemeClr val="tx1">
+                    <a:lumMod val="75000"/>
+                    <a:lumOff val="25000"/>
+                  </a:schemeClr>
+                </a:solidFill>
+              </a:rPr>
+              <a:t>애플리케이션</a:t>
+            </a:r>
+          </a:p>
+        </p:txBody>
+      </p:sp>
+      <p:sp>
+        <p:nvSpPr>
+          <p:cNvPr id="11" name="TextBox 10">
+            <a:extLst>
+              <a:ext uri="{FF2B5EF4-FFF2-40B4-BE49-F238E27FC236}">
+                <a16:creationId xmlns:a16="http://schemas.microsoft.com/office/drawing/2014/main" id="{BBA864E7-F2E4-7E55-9A60-46CFC769E46D}"/>
+              </a:ext>
+            </a:extLst>
+          </p:cNvPr>
+          <p:cNvSpPr txBox="1"/>
+          <p:nvPr/>
+        </p:nvSpPr>
+        <p:spPr>
+          <a:xfrm>
+            <a:off x="1142827" y="3826855"/>
+            <a:ext cx="1446368" cy="369332"/>
+          </a:xfrm>
+          <a:prstGeom prst="rect">
+            <a:avLst/>
+          </a:prstGeom>
+          <a:noFill/>
+        </p:spPr>
+        <p:txBody>
+          <a:bodyPr wrap="square" rtlCol="0">
+            <a:spAutoFit/>
+          </a:bodyPr>
+          <a:lstStyle>
+            <a:defPPr>
+              <a:defRPr lang="ko-KR"/>
+            </a:defPPr>
+            <a:lvl1pPr>
+              <a:defRPr>
+                <a:solidFill>
+                  <a:schemeClr val="tx1">
+                    <a:lumMod val="85000"/>
+                    <a:lumOff val="15000"/>
+                  </a:schemeClr>
+                </a:solidFill>
+                <a:latin typeface="+mj-ea"/>
+                <a:ea typeface="+mj-ea"/>
+              </a:defRPr>
+            </a:lvl1pPr>
+          </a:lstStyle>
+          <a:p>
+            <a:r>
+              <a:rPr lang="ko-KR" altLang="en-US" dirty="0">
+                <a:solidFill>
+                  <a:schemeClr val="tx1">
+                    <a:lumMod val="75000"/>
+                    <a:lumOff val="25000"/>
+                  </a:schemeClr>
+                </a:solidFill>
+              </a:rPr>
+              <a:t>게임</a:t>
+            </a:r>
+          </a:p>
+        </p:txBody>
+      </p:sp>
+      <p:sp>
+        <p:nvSpPr>
+          <p:cNvPr id="12" name="TextBox 11">
+            <a:extLst>
+              <a:ext uri="{FF2B5EF4-FFF2-40B4-BE49-F238E27FC236}">
+                <a16:creationId xmlns:a16="http://schemas.microsoft.com/office/drawing/2014/main" id="{9B809732-1911-07EA-1F4D-F97B3AA7B258}"/>
+              </a:ext>
+            </a:extLst>
+          </p:cNvPr>
+          <p:cNvSpPr txBox="1"/>
+          <p:nvPr/>
+        </p:nvSpPr>
+        <p:spPr>
+          <a:xfrm>
+            <a:off x="3304005" y="3402762"/>
+            <a:ext cx="1446368" cy="369332"/>
+          </a:xfrm>
+          <a:prstGeom prst="rect">
+            <a:avLst/>
+          </a:prstGeom>
+          <a:noFill/>
+        </p:spPr>
+        <p:txBody>
+          <a:bodyPr wrap="square" rtlCol="0">
+            <a:spAutoFit/>
+          </a:bodyPr>
+          <a:lstStyle>
+            <a:defPPr>
+              <a:defRPr lang="ko-KR"/>
+            </a:defPPr>
+            <a:lvl1pPr>
+              <a:defRPr>
+                <a:solidFill>
+                  <a:schemeClr val="tx1">
+                    <a:lumMod val="85000"/>
+                    <a:lumOff val="15000"/>
+                  </a:schemeClr>
+                </a:solidFill>
+                <a:latin typeface="+mj-ea"/>
+                <a:ea typeface="+mj-ea"/>
+              </a:defRPr>
+            </a:lvl1pPr>
+          </a:lstStyle>
+          <a:p>
+            <a:r>
+              <a:rPr lang="ko-KR" altLang="en-US" dirty="0" err="1">
+                <a:solidFill>
+                  <a:schemeClr val="tx1">
+                    <a:lumMod val="75000"/>
+                    <a:lumOff val="25000"/>
+                  </a:schemeClr>
+                </a:solidFill>
+              </a:rPr>
+              <a:t>백엔드</a:t>
+            </a:r>
+            <a:endParaRPr lang="ko-KR" altLang="en-US" dirty="0">
+              <a:solidFill>
+                <a:schemeClr val="tx1">
+                  <a:lumMod val="75000"/>
+                  <a:lumOff val="25000"/>
+                </a:schemeClr>
+              </a:solidFill>
+            </a:endParaRPr>
+          </a:p>
+        </p:txBody>
+      </p:sp>
+      <p:sp>
+        <p:nvSpPr>
+          <p:cNvPr id="13" name="TextBox 12">
+            <a:extLst>
+              <a:ext uri="{FF2B5EF4-FFF2-40B4-BE49-F238E27FC236}">
+                <a16:creationId xmlns:a16="http://schemas.microsoft.com/office/drawing/2014/main" id="{FBE880E4-591F-5F12-05AE-7D108907D4F7}"/>
+              </a:ext>
+            </a:extLst>
+          </p:cNvPr>
+          <p:cNvSpPr txBox="1"/>
+          <p:nvPr/>
+        </p:nvSpPr>
+        <p:spPr>
+          <a:xfrm>
+            <a:off x="503592" y="5080766"/>
+            <a:ext cx="1446368" cy="369332"/>
+          </a:xfrm>
+          <a:prstGeom prst="rect">
+            <a:avLst/>
+          </a:prstGeom>
+          <a:noFill/>
+        </p:spPr>
+        <p:txBody>
+          <a:bodyPr wrap="square" rtlCol="0">
+            <a:spAutoFit/>
+          </a:bodyPr>
+          <a:lstStyle>
+            <a:defPPr>
+              <a:defRPr lang="ko-KR"/>
+            </a:defPPr>
+            <a:lvl1pPr>
+              <a:defRPr>
+                <a:solidFill>
+                  <a:schemeClr val="tx1">
+                    <a:lumMod val="85000"/>
+                    <a:lumOff val="15000"/>
+                  </a:schemeClr>
+                </a:solidFill>
+                <a:latin typeface="+mj-ea"/>
+                <a:ea typeface="+mj-ea"/>
+              </a:defRPr>
+            </a:lvl1pPr>
+          </a:lstStyle>
+          <a:p>
+            <a:r>
+              <a:rPr lang="ko-KR" altLang="en-US" dirty="0">
+                <a:solidFill>
+                  <a:schemeClr val="tx1">
+                    <a:lumMod val="75000"/>
+                    <a:lumOff val="25000"/>
+                  </a:schemeClr>
+                </a:solidFill>
+              </a:rPr>
+              <a:t>인공지능</a:t>
+            </a:r>
+          </a:p>
+        </p:txBody>
+      </p:sp>
+      <p:pic>
+        <p:nvPicPr>
+          <p:cNvPr id="14" name="선 선" descr="선 선">
+            <a:extLst>
+              <a:ext uri="{FF2B5EF4-FFF2-40B4-BE49-F238E27FC236}">
+                <a16:creationId xmlns:a16="http://schemas.microsoft.com/office/drawing/2014/main" id="{D9CEF257-0874-41B5-C19A-99654194E529}"/>
+              </a:ext>
+            </a:extLst>
+          </p:cNvPr>
+          <p:cNvPicPr>
+            <a:picLocks/>
+          </p:cNvPicPr>
+          <p:nvPr/>
+        </p:nvPicPr>
+        <p:blipFill>
+          <a:blip r:embed="rId5"/>
+          <a:stretch>
+            <a:fillRect/>
+          </a:stretch>
+        </p:blipFill>
+        <p:spPr>
+          <a:xfrm rot="20381050" flipV="1">
+            <a:off x="3909707" y="2259709"/>
+            <a:ext cx="3348729" cy="162379"/>
+          </a:xfrm>
+          <a:prstGeom prst="rect">
+            <a:avLst/>
+          </a:prstGeom>
+        </p:spPr>
+      </p:pic>
+      <p:pic>
+        <p:nvPicPr>
+          <p:cNvPr id="15" name="선 선" descr="선 선">
+            <a:extLst>
+              <a:ext uri="{FF2B5EF4-FFF2-40B4-BE49-F238E27FC236}">
+                <a16:creationId xmlns:a16="http://schemas.microsoft.com/office/drawing/2014/main" id="{105CC293-455B-2D67-F0D0-444765751D1E}"/>
+              </a:ext>
+            </a:extLst>
+          </p:cNvPr>
+          <p:cNvPicPr>
+            <a:picLocks/>
+          </p:cNvPicPr>
+          <p:nvPr/>
+        </p:nvPicPr>
+        <p:blipFill>
+          <a:blip r:embed="rId5"/>
+          <a:stretch>
+            <a:fillRect/>
+          </a:stretch>
+        </p:blipFill>
+        <p:spPr>
+          <a:xfrm rot="1799593" flipV="1">
+            <a:off x="3966814" y="4377464"/>
+            <a:ext cx="3348729" cy="162379"/>
+          </a:xfrm>
+          <a:prstGeom prst="rect">
+            <a:avLst/>
+          </a:prstGeom>
+        </p:spPr>
+      </p:pic>
+    </p:spTree>
+    <p:extLst>
+      <p:ext uri="{BB962C8B-B14F-4D97-AF65-F5344CB8AC3E}">
+        <p14:creationId xmlns:p14="http://schemas.microsoft.com/office/powerpoint/2010/main" val="1901622074"/>
+      </p:ext>
+    </p:extLst>
+  </p:cSld>
+  <p:clrMapOvr>
+    <a:masterClrMapping/>
+  </p:clrMapOvr>
+</p:sld>
+</file>
+
+<file path=ppt/slides/slide11.xml><?xml version="1.0" encoding="utf-8"?>
+<p:sld xmlns:a="http://schemas.openxmlformats.org/drawingml/2006/main" xmlns:r="http://schemas.openxmlformats.org/officeDocument/2006/relationships" xmlns:p="http://schemas.openxmlformats.org/presentationml/2006/main">
+  <p:cSld>
+    <p:bg>
+      <p:bgPr>
+        <a:solidFill>
+          <a:schemeClr val="bg1"/>
+        </a:solidFill>
+        <a:effectLst/>
+      </p:bgPr>
+    </p:bg>
+    <p:spTree>
+      <p:nvGrpSpPr>
+        <p:cNvPr id="1" name=""/>
+        <p:cNvGrpSpPr/>
+        <p:nvPr/>
+      </p:nvGrpSpPr>
+      <p:grpSpPr>
+        <a:xfrm>
+          <a:off x="0" y="0"/>
+          <a:ext cx="0" cy="0"/>
+          <a:chOff x="0" y="0"/>
+          <a:chExt cx="0" cy="0"/>
+        </a:xfrm>
+      </p:grpSpPr>
+      <p:pic>
+        <p:nvPicPr>
+          <p:cNvPr id="3" name="그림 2">
+            <a:extLst>
+              <a:ext uri="{FF2B5EF4-FFF2-40B4-BE49-F238E27FC236}">
+                <a16:creationId xmlns:a16="http://schemas.microsoft.com/office/drawing/2014/main" id="{2B060EE9-2BDD-A483-311D-8FF2F5786525}"/>
+              </a:ext>
+            </a:extLst>
+          </p:cNvPr>
+          <p:cNvPicPr>
+            <a:picLocks noChangeAspect="1"/>
+          </p:cNvPicPr>
+          <p:nvPr/>
+        </p:nvPicPr>
+        <p:blipFill>
+          <a:blip r:embed="rId2">
+            <a:extLst>
+              <a:ext uri="{28A0092B-C50C-407E-A947-70E740481C1C}">
+                <a14:useLocalDpi xmlns:a14="http://schemas.microsoft.com/office/drawing/2010/main" val="0"/>
+              </a:ext>
+            </a:extLst>
+          </a:blip>
+          <a:stretch>
+            <a:fillRect/>
+          </a:stretch>
+        </p:blipFill>
+        <p:spPr>
+          <a:xfrm>
+            <a:off x="1124267" y="345795"/>
+            <a:ext cx="9943465" cy="6166410"/>
+          </a:xfrm>
+          <a:prstGeom prst="rect">
+            <a:avLst/>
+          </a:prstGeom>
+        </p:spPr>
+      </p:pic>
+    </p:spTree>
+    <p:extLst>
+      <p:ext uri="{BB962C8B-B14F-4D97-AF65-F5344CB8AC3E}">
+        <p14:creationId xmlns:p14="http://schemas.microsoft.com/office/powerpoint/2010/main" val="1618317363"/>
+      </p:ext>
+    </p:extLst>
+  </p:cSld>
+  <p:clrMapOvr>
+    <a:masterClrMapping/>
+  </p:clrMapOvr>
+  <mc:AlternateContent xmlns:mc="http://schemas.openxmlformats.org/markup-compatibility/2006">
+    <mc:Choice xmlns:p14="http://schemas.microsoft.com/office/powerpoint/2010/main" Requires="p14">
+      <p:transition spd="med" p14:dur="700">
+        <p:fade/>
+      </p:transition>
+    </mc:Choice>
+    <mc:Fallback>
+      <p:transition spd="med">
+        <p:fade/>
+      </p:transition>
+    </mc:Fallback>
+  </mc:AlternateContent>
+</p:sld>
+</file>
+
+<file path=ppt/slides/slide12.xml><?xml version="1.0" encoding="utf-8"?>
+<p:sld xmlns:a="http://schemas.openxmlformats.org/drawingml/2006/main" xmlns:r="http://schemas.openxmlformats.org/officeDocument/2006/relationships" xmlns:p="http://schemas.openxmlformats.org/presentationml/2006/main">
+  <p:cSld>
+    <p:spTree>
+      <p:nvGrpSpPr>
+        <p:cNvPr id="1" name=""/>
+        <p:cNvGrpSpPr/>
+        <p:nvPr/>
+      </p:nvGrpSpPr>
+      <p:grpSpPr>
+        <a:xfrm>
+          <a:off x="0" y="0"/>
+          <a:ext cx="0" cy="0"/>
+          <a:chOff x="0" y="0"/>
+          <a:chExt cx="0" cy="0"/>
+        </a:xfrm>
+      </p:grpSpPr>
     </p:spTree>
     <p:extLst>
       <p:ext uri="{BB962C8B-B14F-4D97-AF65-F5344CB8AC3E}">
@@ -3554,7 +4221,7 @@
 </p:sld>
 </file>
 
-<file path=ppt/slides/slide11.xml><?xml version="1.0" encoding="utf-8"?>
+<file path=ppt/slides/slide13.xml><?xml version="1.0" encoding="utf-8"?>
 <p:sld xmlns:a="http://schemas.openxmlformats.org/drawingml/2006/main" xmlns:r="http://schemas.openxmlformats.org/officeDocument/2006/relationships" xmlns:p="http://schemas.openxmlformats.org/presentationml/2006/main">
   <p:cSld>
     <p:spTree>
@@ -3615,7 +4282,7 @@
         </p:nvSpPr>
         <p:spPr>
           <a:xfrm>
-            <a:off x="3302000" y="2687954"/>
+            <a:off x="3037840" y="2687954"/>
             <a:ext cx="6197600" cy="1323439"/>
           </a:xfrm>
           <a:prstGeom prst="rect">
@@ -3631,6 +4298,13 @@
           <a:p>
             <a:r>
               <a:rPr lang="ko-KR" altLang="en-US" sz="8000" b="1" dirty="0">
+                <a:effectLst>
+                  <a:outerShdw blurRad="38100" dist="38100" dir="2700000" algn="tl">
+                    <a:srgbClr val="000000">
+                      <a:alpha val="43137"/>
+                    </a:srgbClr>
+                  </a:outerShdw>
+                </a:effectLst>
                 <a:latin typeface="나눔고딕" panose="020D0604000000000000" pitchFamily="50" charset="-127"/>
                 <a:ea typeface="나눔고딕" panose="020D0604000000000000" pitchFamily="50" charset="-127"/>
               </a:rPr>
@@ -3638,12 +4312,26 @@
             </a:r>
             <a:r>
               <a:rPr lang="en-US" altLang="ko-KR" sz="8000" b="1" dirty="0">
+                <a:effectLst>
+                  <a:outerShdw blurRad="38100" dist="38100" dir="2700000" algn="tl">
+                    <a:srgbClr val="000000">
+                      <a:alpha val="43137"/>
+                    </a:srgbClr>
+                  </a:outerShdw>
+                </a:effectLst>
                 <a:latin typeface="나눔고딕" panose="020D0604000000000000" pitchFamily="50" charset="-127"/>
                 <a:ea typeface="나눔고딕" panose="020D0604000000000000" pitchFamily="50" charset="-127"/>
               </a:rPr>
               <a:t>?</a:t>
             </a:r>
             <a:endParaRPr lang="ko-KR" altLang="en-US" sz="8000" b="1" dirty="0">
+              <a:effectLst>
+                <a:outerShdw blurRad="38100" dist="38100" dir="2700000" algn="tl">
+                  <a:srgbClr val="000000">
+                    <a:alpha val="43137"/>
+                  </a:srgbClr>
+                </a:outerShdw>
+              </a:effectLst>
               <a:latin typeface="나눔고딕" panose="020D0604000000000000" pitchFamily="50" charset="-127"/>
               <a:ea typeface="나눔고딕" panose="020D0604000000000000" pitchFamily="50" charset="-127"/>
             </a:endParaRPr>
@@ -3772,13 +4460,13 @@
   <p:clrMapOvr>
     <a:masterClrMapping/>
   </p:clrMapOvr>
-  <mc:AlternateContent xmlns:mc="http://schemas.openxmlformats.org/markup-compatibility/2006">
-    <mc:Choice xmlns:p14="http://schemas.microsoft.com/office/powerpoint/2010/main" Requires="p14">
+  <mc:AlternateContent xmlns:mc="http://schemas.openxmlformats.org/markup-compatibility/2006" xmlns:p14="http://schemas.microsoft.com/office/powerpoint/2010/main">
+    <mc:Choice Requires="p14">
       <p:transition spd="med" p14:dur="700">
         <p:fade/>
       </p:transition>
     </mc:Choice>
-    <mc:Fallback>
+    <mc:Fallback xmlns="">
       <p:transition spd="med">
         <p:fade/>
       </p:transition>
@@ -4055,13 +4743,13 @@
   <p:clrMapOvr>
     <a:masterClrMapping/>
   </p:clrMapOvr>
-  <mc:AlternateContent xmlns:mc="http://schemas.openxmlformats.org/markup-compatibility/2006">
-    <mc:Choice xmlns:p14="http://schemas.microsoft.com/office/powerpoint/2010/main" Requires="p14">
+  <mc:AlternateContent xmlns:mc="http://schemas.openxmlformats.org/markup-compatibility/2006" xmlns:p14="http://schemas.microsoft.com/office/powerpoint/2010/main">
+    <mc:Choice Requires="p14">
       <p:transition spd="med" p14:dur="700">
         <p:fade/>
       </p:transition>
     </mc:Choice>
-    <mc:Fallback>
+    <mc:Fallback xmlns="">
       <p:transition spd="med">
         <p:fade/>
       </p:transition>
@@ -4141,13 +4829,13 @@
   <p:clrMapOvr>
     <a:masterClrMapping/>
   </p:clrMapOvr>
-  <mc:AlternateContent xmlns:mc="http://schemas.openxmlformats.org/markup-compatibility/2006">
-    <mc:Choice xmlns:p15="http://schemas.microsoft.com/office/powerpoint/2012/main" Requires="p15">
+  <mc:AlternateContent xmlns:mc="http://schemas.openxmlformats.org/markup-compatibility/2006" xmlns:p15="http://schemas.microsoft.com/office/powerpoint/2012/main">
+    <mc:Choice Requires="p15">
       <p:transition xmlns:p14="http://schemas.microsoft.com/office/powerpoint/2010/main" spd="slow" p14:dur="1250">
         <p15:prstTrans prst="peelOff"/>
       </p:transition>
     </mc:Choice>
-    <mc:Fallback>
+    <mc:Fallback xmlns="">
       <p:transition spd="slow">
         <p:fade/>
       </p:transition>
@@ -4159,14 +4847,6 @@
 <file path=ppt/slides/slide5.xml><?xml version="1.0" encoding="utf-8"?>
 <p:sld xmlns:a="http://schemas.openxmlformats.org/drawingml/2006/main" xmlns:r="http://schemas.openxmlformats.org/officeDocument/2006/relationships" xmlns:p="http://schemas.openxmlformats.org/presentationml/2006/main">
   <p:cSld>
-    <p:bg>
-      <p:bgPr>
-        <a:solidFill>
-          <a:schemeClr val="bg1"/>
-        </a:solidFill>
-        <a:effectLst/>
-      </p:bgPr>
-    </p:bg>
     <p:spTree>
       <p:nvGrpSpPr>
         <p:cNvPr id="1" name=""/>
@@ -4183,10 +4863,10 @@
       </p:grpSpPr>
       <p:pic>
         <p:nvPicPr>
-          <p:cNvPr id="8" name="그림 7" descr="선화이(가) 표시된 사진&#10;&#10;자동 생성된 설명">
-            <a:extLst>
-              <a:ext uri="{FF2B5EF4-FFF2-40B4-BE49-F238E27FC236}">
-                <a16:creationId xmlns:a16="http://schemas.microsoft.com/office/drawing/2014/main" id="{14FD0396-B629-ED5A-406A-DD471561E4CD}"/>
+          <p:cNvPr id="3" name="그림 2">
+            <a:extLst>
+              <a:ext uri="{FF2B5EF4-FFF2-40B4-BE49-F238E27FC236}">
+                <a16:creationId xmlns:a16="http://schemas.microsoft.com/office/drawing/2014/main" id="{00FA2616-4FB3-DA7E-7D02-189F35E38B46}"/>
               </a:ext>
             </a:extLst>
           </p:cNvPr>
@@ -4209,8 +4889,8 @@
         </p:blipFill>
         <p:spPr>
           <a:xfrm>
-            <a:off x="1603204" y="643466"/>
-            <a:ext cx="8985591" cy="5571067"/>
+            <a:off x="1370909" y="184727"/>
+            <a:ext cx="8766695" cy="5712894"/>
           </a:xfrm>
           <a:prstGeom prst="rect">
             <a:avLst/>
@@ -4220,13 +4900,25 @@
     </p:spTree>
     <p:extLst>
       <p:ext uri="{BB962C8B-B14F-4D97-AF65-F5344CB8AC3E}">
-        <p14:creationId xmlns:p14="http://schemas.microsoft.com/office/powerpoint/2010/main" val="1618317363"/>
+        <p14:creationId xmlns:p14="http://schemas.microsoft.com/office/powerpoint/2010/main" val="3803602888"/>
       </p:ext>
     </p:extLst>
   </p:cSld>
   <p:clrMapOvr>
     <a:masterClrMapping/>
   </p:clrMapOvr>
+  <mc:AlternateContent xmlns:mc="http://schemas.openxmlformats.org/markup-compatibility/2006">
+    <mc:Choice xmlns:p14="http://schemas.microsoft.com/office/powerpoint/2010/main" Requires="p14">
+      <p:transition spd="med" p14:dur="700">
+        <p:fade/>
+      </p:transition>
+    </mc:Choice>
+    <mc:Fallback>
+      <p:transition spd="med">
+        <p:fade/>
+      </p:transition>
+    </mc:Fallback>
+  </mc:AlternateContent>
 </p:sld>
 </file>
 
@@ -4247,16 +4939,1257 @@
           <a:chExt cx="0" cy="0"/>
         </a:xfrm>
       </p:grpSpPr>
+      <p:sp>
+        <p:nvSpPr>
+          <p:cNvPr id="4" name="사각형: 둥근 모서리 3">
+            <a:extLst>
+              <a:ext uri="{FF2B5EF4-FFF2-40B4-BE49-F238E27FC236}">
+                <a16:creationId xmlns:a16="http://schemas.microsoft.com/office/drawing/2014/main" id="{7D40420B-CA99-45E2-D323-AA612FD9FBD8}"/>
+              </a:ext>
+            </a:extLst>
+          </p:cNvPr>
+          <p:cNvSpPr/>
+          <p:nvPr/>
+        </p:nvSpPr>
+        <p:spPr>
+          <a:xfrm flipV="1">
+            <a:off x="1" y="3428997"/>
+            <a:ext cx="12192000" cy="55882"/>
+          </a:xfrm>
+          <a:prstGeom prst="roundRect">
+            <a:avLst/>
+          </a:prstGeom>
+          <a:solidFill>
+            <a:schemeClr val="bg1">
+              <a:lumMod val="65000"/>
+            </a:schemeClr>
+          </a:solidFill>
+          <a:ln>
+            <a:noFill/>
+          </a:ln>
+        </p:spPr>
+        <p:style>
+          <a:lnRef idx="2">
+            <a:schemeClr val="accent6"/>
+          </a:lnRef>
+          <a:fillRef idx="1">
+            <a:schemeClr val="lt1"/>
+          </a:fillRef>
+          <a:effectRef idx="0">
+            <a:schemeClr val="accent6"/>
+          </a:effectRef>
+          <a:fontRef idx="minor">
+            <a:schemeClr val="dk1"/>
+          </a:fontRef>
+        </p:style>
+        <p:txBody>
+          <a:bodyPr rtlCol="0" anchor="ctr"/>
+          <a:lstStyle/>
+          <a:p>
+            <a:pPr algn="ctr"/>
+            <a:endParaRPr lang="ko-KR" altLang="en-US"/>
+          </a:p>
+        </p:txBody>
+      </p:sp>
+      <p:cxnSp>
+        <p:nvCxnSpPr>
+          <p:cNvPr id="8" name="직선 연결선 7">
+            <a:extLst>
+              <a:ext uri="{FF2B5EF4-FFF2-40B4-BE49-F238E27FC236}">
+                <a16:creationId xmlns:a16="http://schemas.microsoft.com/office/drawing/2014/main" id="{0C5CD638-B4E8-DB39-65CB-5804F944DDBE}"/>
+              </a:ext>
+            </a:extLst>
+          </p:cNvPr>
+          <p:cNvCxnSpPr>
+            <a:cxnSpLocks/>
+          </p:cNvCxnSpPr>
+          <p:nvPr/>
+        </p:nvCxnSpPr>
+        <p:spPr>
+          <a:xfrm>
+            <a:off x="397451" y="1225296"/>
+            <a:ext cx="0" cy="2203701"/>
+          </a:xfrm>
+          <a:prstGeom prst="line">
+            <a:avLst/>
+          </a:prstGeom>
+          <a:ln/>
+        </p:spPr>
+        <p:style>
+          <a:lnRef idx="3">
+            <a:schemeClr val="accent3"/>
+          </a:lnRef>
+          <a:fillRef idx="0">
+            <a:schemeClr val="accent3"/>
+          </a:fillRef>
+          <a:effectRef idx="2">
+            <a:schemeClr val="accent3"/>
+          </a:effectRef>
+          <a:fontRef idx="minor">
+            <a:schemeClr val="tx1"/>
+          </a:fontRef>
+        </p:style>
+      </p:cxnSp>
+      <p:cxnSp>
+        <p:nvCxnSpPr>
+          <p:cNvPr id="12" name="직선 연결선 11">
+            <a:extLst>
+              <a:ext uri="{FF2B5EF4-FFF2-40B4-BE49-F238E27FC236}">
+                <a16:creationId xmlns:a16="http://schemas.microsoft.com/office/drawing/2014/main" id="{5B572066-43D6-027F-56B2-D8504A02717C}"/>
+              </a:ext>
+            </a:extLst>
+          </p:cNvPr>
+          <p:cNvCxnSpPr>
+            <a:cxnSpLocks/>
+          </p:cNvCxnSpPr>
+          <p:nvPr/>
+        </p:nvCxnSpPr>
+        <p:spPr>
+          <a:xfrm>
+            <a:off x="1769051" y="3428997"/>
+            <a:ext cx="0" cy="2203701"/>
+          </a:xfrm>
+          <a:prstGeom prst="line">
+            <a:avLst/>
+          </a:prstGeom>
+          <a:ln/>
+        </p:spPr>
+        <p:style>
+          <a:lnRef idx="3">
+            <a:schemeClr val="accent3"/>
+          </a:lnRef>
+          <a:fillRef idx="0">
+            <a:schemeClr val="accent3"/>
+          </a:fillRef>
+          <a:effectRef idx="2">
+            <a:schemeClr val="accent3"/>
+          </a:effectRef>
+          <a:fontRef idx="minor">
+            <a:schemeClr val="tx1"/>
+          </a:fontRef>
+        </p:style>
+      </p:cxnSp>
+      <p:cxnSp>
+        <p:nvCxnSpPr>
+          <p:cNvPr id="13" name="직선 연결선 12">
+            <a:extLst>
+              <a:ext uri="{FF2B5EF4-FFF2-40B4-BE49-F238E27FC236}">
+                <a16:creationId xmlns:a16="http://schemas.microsoft.com/office/drawing/2014/main" id="{3494740E-9875-3D60-456E-F488F06DEC8C}"/>
+              </a:ext>
+            </a:extLst>
+          </p:cNvPr>
+          <p:cNvCxnSpPr>
+            <a:cxnSpLocks/>
+          </p:cNvCxnSpPr>
+          <p:nvPr/>
+        </p:nvCxnSpPr>
+        <p:spPr>
+          <a:xfrm>
+            <a:off x="4278571" y="1225296"/>
+            <a:ext cx="0" cy="2203701"/>
+          </a:xfrm>
+          <a:prstGeom prst="line">
+            <a:avLst/>
+          </a:prstGeom>
+          <a:ln/>
+        </p:spPr>
+        <p:style>
+          <a:lnRef idx="3">
+            <a:schemeClr val="accent3"/>
+          </a:lnRef>
+          <a:fillRef idx="0">
+            <a:schemeClr val="accent3"/>
+          </a:fillRef>
+          <a:effectRef idx="2">
+            <a:schemeClr val="accent3"/>
+          </a:effectRef>
+          <a:fontRef idx="minor">
+            <a:schemeClr val="tx1"/>
+          </a:fontRef>
+        </p:style>
+      </p:cxnSp>
+      <p:cxnSp>
+        <p:nvCxnSpPr>
+          <p:cNvPr id="14" name="직선 연결선 13">
+            <a:extLst>
+              <a:ext uri="{FF2B5EF4-FFF2-40B4-BE49-F238E27FC236}">
+                <a16:creationId xmlns:a16="http://schemas.microsoft.com/office/drawing/2014/main" id="{13FECE87-75F9-FE09-F4F2-13D69C6489D0}"/>
+              </a:ext>
+            </a:extLst>
+          </p:cNvPr>
+          <p:cNvCxnSpPr>
+            <a:cxnSpLocks/>
+          </p:cNvCxnSpPr>
+          <p:nvPr/>
+        </p:nvCxnSpPr>
+        <p:spPr>
+          <a:xfrm>
+            <a:off x="6096000" y="3428997"/>
+            <a:ext cx="0" cy="2203701"/>
+          </a:xfrm>
+          <a:prstGeom prst="line">
+            <a:avLst/>
+          </a:prstGeom>
+          <a:ln/>
+        </p:spPr>
+        <p:style>
+          <a:lnRef idx="3">
+            <a:schemeClr val="accent3"/>
+          </a:lnRef>
+          <a:fillRef idx="0">
+            <a:schemeClr val="accent3"/>
+          </a:fillRef>
+          <a:effectRef idx="2">
+            <a:schemeClr val="accent3"/>
+          </a:effectRef>
+          <a:fontRef idx="minor">
+            <a:schemeClr val="tx1"/>
+          </a:fontRef>
+        </p:style>
+      </p:cxnSp>
+      <p:cxnSp>
+        <p:nvCxnSpPr>
+          <p:cNvPr id="15" name="직선 연결선 14">
+            <a:extLst>
+              <a:ext uri="{FF2B5EF4-FFF2-40B4-BE49-F238E27FC236}">
+                <a16:creationId xmlns:a16="http://schemas.microsoft.com/office/drawing/2014/main" id="{3F16CB12-A1A8-C589-C5BE-A90D2835DC7B}"/>
+              </a:ext>
+            </a:extLst>
+          </p:cNvPr>
+          <p:cNvCxnSpPr>
+            <a:cxnSpLocks/>
+          </p:cNvCxnSpPr>
+          <p:nvPr/>
+        </p:nvCxnSpPr>
+        <p:spPr>
+          <a:xfrm>
+            <a:off x="7721600" y="1225296"/>
+            <a:ext cx="0" cy="2203701"/>
+          </a:xfrm>
+          <a:prstGeom prst="line">
+            <a:avLst/>
+          </a:prstGeom>
+          <a:ln/>
+        </p:spPr>
+        <p:style>
+          <a:lnRef idx="3">
+            <a:schemeClr val="accent3"/>
+          </a:lnRef>
+          <a:fillRef idx="0">
+            <a:schemeClr val="accent3"/>
+          </a:fillRef>
+          <a:effectRef idx="2">
+            <a:schemeClr val="accent3"/>
+          </a:effectRef>
+          <a:fontRef idx="minor">
+            <a:schemeClr val="tx1"/>
+          </a:fontRef>
+        </p:style>
+      </p:cxnSp>
+      <p:sp>
+        <p:nvSpPr>
+          <p:cNvPr id="17" name="TextBox 16">
+            <a:extLst>
+              <a:ext uri="{FF2B5EF4-FFF2-40B4-BE49-F238E27FC236}">
+                <a16:creationId xmlns:a16="http://schemas.microsoft.com/office/drawing/2014/main" id="{7916B870-4A85-9361-7DC6-4F516F071A04}"/>
+              </a:ext>
+            </a:extLst>
+          </p:cNvPr>
+          <p:cNvSpPr txBox="1"/>
+          <p:nvPr/>
+        </p:nvSpPr>
+        <p:spPr>
+          <a:xfrm>
+            <a:off x="478731" y="1664764"/>
+            <a:ext cx="3453188" cy="707886"/>
+          </a:xfrm>
+          <a:prstGeom prst="rect">
+            <a:avLst/>
+          </a:prstGeom>
+          <a:noFill/>
+        </p:spPr>
+        <p:txBody>
+          <a:bodyPr wrap="square" rtlCol="0">
+            <a:spAutoFit/>
+          </a:bodyPr>
+          <a:lstStyle/>
+          <a:p>
+            <a:r>
+              <a:rPr lang="ko-KR" altLang="en-US" sz="2000" b="1" dirty="0">
+                <a:effectLst>
+                  <a:outerShdw blurRad="38100" dist="38100" dir="2700000" algn="tl">
+                    <a:srgbClr val="000000">
+                      <a:alpha val="43137"/>
+                    </a:srgbClr>
+                  </a:outerShdw>
+                </a:effectLst>
+                <a:latin typeface="나눔스퀘어"/>
+                <a:ea typeface="나눔고딕" panose="020D0604000000000000" pitchFamily="50" charset="-127"/>
+              </a:rPr>
+              <a:t>부천대학교 </a:t>
+            </a:r>
+            <a:endParaRPr lang="en-US" altLang="ko-KR" sz="2000" b="1" dirty="0">
+              <a:effectLst>
+                <a:outerShdw blurRad="38100" dist="38100" dir="2700000" algn="tl">
+                  <a:srgbClr val="000000">
+                    <a:alpha val="43137"/>
+                  </a:srgbClr>
+                </a:outerShdw>
+              </a:effectLst>
+              <a:latin typeface="나눔스퀘어"/>
+              <a:ea typeface="나눔고딕" panose="020D0604000000000000" pitchFamily="50" charset="-127"/>
+            </a:endParaRPr>
+          </a:p>
+          <a:p>
+            <a:r>
+              <a:rPr lang="ko-KR" altLang="en-US" sz="2000" b="1" dirty="0">
+                <a:effectLst>
+                  <a:outerShdw blurRad="38100" dist="38100" dir="2700000" algn="tl">
+                    <a:srgbClr val="000000">
+                      <a:alpha val="43137"/>
+                    </a:srgbClr>
+                  </a:outerShdw>
+                </a:effectLst>
+                <a:latin typeface="나눔스퀘어"/>
+                <a:ea typeface="나눔고딕" panose="020D0604000000000000" pitchFamily="50" charset="-127"/>
+              </a:rPr>
+              <a:t>컴퓨터 소프트웨어학과 입학</a:t>
+            </a:r>
+          </a:p>
+        </p:txBody>
+      </p:sp>
+      <p:sp>
+        <p:nvSpPr>
+          <p:cNvPr id="18" name="TextBox 17">
+            <a:extLst>
+              <a:ext uri="{FF2B5EF4-FFF2-40B4-BE49-F238E27FC236}">
+                <a16:creationId xmlns:a16="http://schemas.microsoft.com/office/drawing/2014/main" id="{5CA37DE3-0277-DC07-C5AB-8164CA6611D3}"/>
+              </a:ext>
+            </a:extLst>
+          </p:cNvPr>
+          <p:cNvSpPr txBox="1"/>
+          <p:nvPr/>
+        </p:nvSpPr>
+        <p:spPr>
+          <a:xfrm>
+            <a:off x="478731" y="979074"/>
+            <a:ext cx="3453188" cy="492443"/>
+          </a:xfrm>
+          <a:prstGeom prst="rect">
+            <a:avLst/>
+          </a:prstGeom>
+          <a:noFill/>
+        </p:spPr>
+        <p:txBody>
+          <a:bodyPr wrap="square" rtlCol="0">
+            <a:spAutoFit/>
+          </a:bodyPr>
+          <a:lstStyle/>
+          <a:p>
+            <a:r>
+              <a:rPr lang="en-US" altLang="ko-KR" sz="2600" b="1" dirty="0">
+                <a:effectLst>
+                  <a:outerShdw blurRad="38100" dist="38100" dir="2700000" algn="tl">
+                    <a:srgbClr val="000000">
+                      <a:alpha val="43137"/>
+                    </a:srgbClr>
+                  </a:outerShdw>
+                </a:effectLst>
+                <a:latin typeface="나눔스퀘어"/>
+                <a:ea typeface="나눔고딕" panose="020D0604000000000000" pitchFamily="50" charset="-127"/>
+              </a:rPr>
+              <a:t>19 .03</a:t>
+            </a:r>
+          </a:p>
+        </p:txBody>
+      </p:sp>
+      <p:sp>
+        <p:nvSpPr>
+          <p:cNvPr id="19" name="TextBox 18">
+            <a:extLst>
+              <a:ext uri="{FF2B5EF4-FFF2-40B4-BE49-F238E27FC236}">
+                <a16:creationId xmlns:a16="http://schemas.microsoft.com/office/drawing/2014/main" id="{A6FD6342-3240-7F69-F2C2-0FA99BB602FF}"/>
+              </a:ext>
+            </a:extLst>
+          </p:cNvPr>
+          <p:cNvSpPr txBox="1"/>
+          <p:nvPr/>
+        </p:nvSpPr>
+        <p:spPr>
+          <a:xfrm>
+            <a:off x="4422021" y="979073"/>
+            <a:ext cx="3453188" cy="492443"/>
+          </a:xfrm>
+          <a:prstGeom prst="rect">
+            <a:avLst/>
+          </a:prstGeom>
+          <a:noFill/>
+        </p:spPr>
+        <p:txBody>
+          <a:bodyPr wrap="square" rtlCol="0">
+            <a:spAutoFit/>
+          </a:bodyPr>
+          <a:lstStyle/>
+          <a:p>
+            <a:r>
+              <a:rPr lang="en-US" altLang="ko-KR" sz="2600" b="1" dirty="0">
+                <a:effectLst>
+                  <a:outerShdw blurRad="38100" dist="38100" dir="2700000" algn="tl">
+                    <a:srgbClr val="000000">
+                      <a:alpha val="43137"/>
+                    </a:srgbClr>
+                  </a:outerShdw>
+                </a:effectLst>
+                <a:latin typeface="나눔스퀘어"/>
+                <a:ea typeface="나눔고딕" panose="020D0604000000000000" pitchFamily="50" charset="-127"/>
+              </a:rPr>
+              <a:t>19 .08</a:t>
+            </a:r>
+          </a:p>
+        </p:txBody>
+      </p:sp>
+      <p:sp>
+        <p:nvSpPr>
+          <p:cNvPr id="20" name="TextBox 19">
+            <a:extLst>
+              <a:ext uri="{FF2B5EF4-FFF2-40B4-BE49-F238E27FC236}">
+                <a16:creationId xmlns:a16="http://schemas.microsoft.com/office/drawing/2014/main" id="{BDE03817-B808-B050-55FA-217F2BF81A35}"/>
+              </a:ext>
+            </a:extLst>
+          </p:cNvPr>
+          <p:cNvSpPr txBox="1"/>
+          <p:nvPr/>
+        </p:nvSpPr>
+        <p:spPr>
+          <a:xfrm>
+            <a:off x="1769051" y="5442358"/>
+            <a:ext cx="3453188" cy="492443"/>
+          </a:xfrm>
+          <a:prstGeom prst="rect">
+            <a:avLst/>
+          </a:prstGeom>
+          <a:noFill/>
+        </p:spPr>
+        <p:txBody>
+          <a:bodyPr wrap="square" rtlCol="0">
+            <a:spAutoFit/>
+          </a:bodyPr>
+          <a:lstStyle/>
+          <a:p>
+            <a:r>
+              <a:rPr lang="en-US" altLang="ko-KR" sz="2600" b="1" dirty="0">
+                <a:effectLst>
+                  <a:outerShdw blurRad="38100" dist="38100" dir="2700000" algn="tl">
+                    <a:srgbClr val="000000">
+                      <a:alpha val="43137"/>
+                    </a:srgbClr>
+                  </a:outerShdw>
+                </a:effectLst>
+                <a:latin typeface="나눔스퀘어"/>
+                <a:ea typeface="나눔고딕" panose="020D0604000000000000" pitchFamily="50" charset="-127"/>
+              </a:rPr>
+              <a:t>19 .04</a:t>
+            </a:r>
+          </a:p>
+        </p:txBody>
+      </p:sp>
+      <p:sp>
+        <p:nvSpPr>
+          <p:cNvPr id="21" name="TextBox 20">
+            <a:extLst>
+              <a:ext uri="{FF2B5EF4-FFF2-40B4-BE49-F238E27FC236}">
+                <a16:creationId xmlns:a16="http://schemas.microsoft.com/office/drawing/2014/main" id="{9E36B488-F762-69E7-F19F-61302A660D18}"/>
+              </a:ext>
+            </a:extLst>
+          </p:cNvPr>
+          <p:cNvSpPr txBox="1"/>
+          <p:nvPr/>
+        </p:nvSpPr>
+        <p:spPr>
+          <a:xfrm>
+            <a:off x="6186835" y="5442357"/>
+            <a:ext cx="3453188" cy="492443"/>
+          </a:xfrm>
+          <a:prstGeom prst="rect">
+            <a:avLst/>
+          </a:prstGeom>
+          <a:noFill/>
+        </p:spPr>
+        <p:txBody>
+          <a:bodyPr wrap="square" rtlCol="0">
+            <a:spAutoFit/>
+          </a:bodyPr>
+          <a:lstStyle/>
+          <a:p>
+            <a:r>
+              <a:rPr lang="en-US" altLang="ko-KR" sz="2600" b="1">
+                <a:effectLst>
+                  <a:outerShdw blurRad="38100" dist="38100" dir="2700000" algn="tl">
+                    <a:srgbClr val="000000">
+                      <a:alpha val="43137"/>
+                    </a:srgbClr>
+                  </a:outerShdw>
+                </a:effectLst>
+                <a:latin typeface="나눔스퀘어"/>
+                <a:ea typeface="나눔고딕" panose="020D0604000000000000" pitchFamily="50" charset="-127"/>
+              </a:rPr>
+              <a:t>19 </a:t>
+            </a:r>
+            <a:r>
+              <a:rPr lang="en-US" altLang="ko-KR" sz="2600" b="1" dirty="0">
+                <a:effectLst>
+                  <a:outerShdw blurRad="38100" dist="38100" dir="2700000" algn="tl">
+                    <a:srgbClr val="000000">
+                      <a:alpha val="43137"/>
+                    </a:srgbClr>
+                  </a:outerShdw>
+                </a:effectLst>
+                <a:latin typeface="나눔스퀘어"/>
+                <a:ea typeface="나눔고딕" panose="020D0604000000000000" pitchFamily="50" charset="-127"/>
+              </a:rPr>
+              <a:t>.09</a:t>
+            </a:r>
+          </a:p>
+        </p:txBody>
+      </p:sp>
+      <p:sp>
+        <p:nvSpPr>
+          <p:cNvPr id="22" name="TextBox 21">
+            <a:extLst>
+              <a:ext uri="{FF2B5EF4-FFF2-40B4-BE49-F238E27FC236}">
+                <a16:creationId xmlns:a16="http://schemas.microsoft.com/office/drawing/2014/main" id="{159966A7-053F-E641-EC41-62DE712AB2E6}"/>
+              </a:ext>
+            </a:extLst>
+          </p:cNvPr>
+          <p:cNvSpPr txBox="1"/>
+          <p:nvPr/>
+        </p:nvSpPr>
+        <p:spPr>
+          <a:xfrm>
+            <a:off x="7774214" y="972971"/>
+            <a:ext cx="3453188" cy="492443"/>
+          </a:xfrm>
+          <a:prstGeom prst="rect">
+            <a:avLst/>
+          </a:prstGeom>
+          <a:noFill/>
+        </p:spPr>
+        <p:txBody>
+          <a:bodyPr wrap="square" rtlCol="0">
+            <a:spAutoFit/>
+          </a:bodyPr>
+          <a:lstStyle/>
+          <a:p>
+            <a:r>
+              <a:rPr lang="en-US" altLang="ko-KR" sz="2600" b="1" dirty="0">
+                <a:effectLst>
+                  <a:outerShdw blurRad="38100" dist="38100" dir="2700000" algn="tl">
+                    <a:srgbClr val="000000">
+                      <a:alpha val="43137"/>
+                    </a:srgbClr>
+                  </a:outerShdw>
+                </a:effectLst>
+                <a:latin typeface="나눔스퀘어"/>
+                <a:ea typeface="나눔고딕" panose="020D0604000000000000" pitchFamily="50" charset="-127"/>
+              </a:rPr>
+              <a:t>20. 01</a:t>
+            </a:r>
+          </a:p>
+        </p:txBody>
+      </p:sp>
     </p:spTree>
     <p:extLst>
       <p:ext uri="{BB962C8B-B14F-4D97-AF65-F5344CB8AC3E}">
-        <p14:creationId xmlns:p14="http://schemas.microsoft.com/office/powerpoint/2010/main" val="3803602888"/>
+        <p14:creationId xmlns:p14="http://schemas.microsoft.com/office/powerpoint/2010/main" val="3054452695"/>
       </p:ext>
     </p:extLst>
   </p:cSld>
   <p:clrMapOvr>
     <a:masterClrMapping/>
   </p:clrMapOvr>
+  <p:transition spd="slow">
+    <p:push dir="u"/>
+  </p:transition>
+  <p:timing>
+    <p:tnLst>
+      <p:par>
+        <p:cTn id="1" dur="indefinite" restart="never" nodeType="tmRoot">
+          <p:childTnLst>
+            <p:seq concurrent="1" nextAc="seek">
+              <p:cTn id="2" dur="indefinite" nodeType="mainSeq">
+                <p:childTnLst>
+                  <p:par>
+                    <p:cTn id="3" fill="hold">
+                      <p:stCondLst>
+                        <p:cond delay="indefinite"/>
+                      </p:stCondLst>
+                      <p:childTnLst>
+                        <p:par>
+                          <p:cTn id="4" fill="hold">
+                            <p:stCondLst>
+                              <p:cond delay="0"/>
+                            </p:stCondLst>
+                            <p:childTnLst>
+                              <p:par>
+                                <p:cTn id="5" presetID="10" presetClass="entr" presetSubtype="0" fill="hold" grpId="0" nodeType="clickEffect">
+                                  <p:stCondLst>
+                                    <p:cond delay="0"/>
+                                  </p:stCondLst>
+                                  <p:childTnLst>
+                                    <p:set>
+                                      <p:cBhvr>
+                                        <p:cTn id="6" dur="1" fill="hold">
+                                          <p:stCondLst>
+                                            <p:cond delay="0"/>
+                                          </p:stCondLst>
+                                        </p:cTn>
+                                        <p:tgtEl>
+                                          <p:spTgt spid="17"/>
+                                        </p:tgtEl>
+                                        <p:attrNameLst>
+                                          <p:attrName>style.visibility</p:attrName>
+                                        </p:attrNameLst>
+                                      </p:cBhvr>
+                                      <p:to>
+                                        <p:strVal val="visible"/>
+                                      </p:to>
+                                    </p:set>
+                                    <p:animEffect transition="in" filter="fade">
+                                      <p:cBhvr>
+                                        <p:cTn id="7" dur="1000"/>
+                                        <p:tgtEl>
+                                          <p:spTgt spid="17"/>
+                                        </p:tgtEl>
+                                      </p:cBhvr>
+                                    </p:animEffect>
+                                  </p:childTnLst>
+                                </p:cTn>
+                              </p:par>
+                            </p:childTnLst>
+                          </p:cTn>
+                        </p:par>
+                      </p:childTnLst>
+                    </p:cTn>
+                  </p:par>
+                  <p:par>
+                    <p:cTn id="8" fill="hold">
+                      <p:stCondLst>
+                        <p:cond delay="indefinite"/>
+                      </p:stCondLst>
+                      <p:childTnLst>
+                        <p:par>
+                          <p:cTn id="9" fill="hold">
+                            <p:stCondLst>
+                              <p:cond delay="0"/>
+                            </p:stCondLst>
+                            <p:childTnLst>
+                              <p:par>
+                                <p:cTn id="10" presetID="10" presetClass="exit" presetSubtype="0" fill="hold" grpId="1" nodeType="clickEffect">
+                                  <p:stCondLst>
+                                    <p:cond delay="0"/>
+                                  </p:stCondLst>
+                                  <p:childTnLst>
+                                    <p:animEffect transition="out" filter="fade">
+                                      <p:cBhvr>
+                                        <p:cTn id="11" dur="500"/>
+                                        <p:tgtEl>
+                                          <p:spTgt spid="17"/>
+                                        </p:tgtEl>
+                                      </p:cBhvr>
+                                    </p:animEffect>
+                                    <p:set>
+                                      <p:cBhvr>
+                                        <p:cTn id="12" dur="1" fill="hold">
+                                          <p:stCondLst>
+                                            <p:cond delay="499"/>
+                                          </p:stCondLst>
+                                        </p:cTn>
+                                        <p:tgtEl>
+                                          <p:spTgt spid="17"/>
+                                        </p:tgtEl>
+                                        <p:attrNameLst>
+                                          <p:attrName>style.visibility</p:attrName>
+                                        </p:attrNameLst>
+                                      </p:cBhvr>
+                                      <p:to>
+                                        <p:strVal val="hidden"/>
+                                      </p:to>
+                                    </p:set>
+                                  </p:childTnLst>
+                                </p:cTn>
+                              </p:par>
+                            </p:childTnLst>
+                          </p:cTn>
+                        </p:par>
+                      </p:childTnLst>
+                    </p:cTn>
+                  </p:par>
+                  <p:par>
+                    <p:cTn id="13" fill="hold">
+                      <p:stCondLst>
+                        <p:cond delay="indefinite"/>
+                      </p:stCondLst>
+                      <p:childTnLst>
+                        <p:par>
+                          <p:cTn id="14" fill="hold">
+                            <p:stCondLst>
+                              <p:cond delay="0"/>
+                            </p:stCondLst>
+                            <p:childTnLst>
+                              <p:par>
+                                <p:cTn id="15" presetID="10" presetClass="entr" presetSubtype="0" fill="hold" grpId="0" nodeType="clickEffect">
+                                  <p:stCondLst>
+                                    <p:cond delay="0"/>
+                                  </p:stCondLst>
+                                  <p:childTnLst>
+                                    <p:set>
+                                      <p:cBhvr>
+                                        <p:cTn id="16" dur="1" fill="hold">
+                                          <p:stCondLst>
+                                            <p:cond delay="0"/>
+                                          </p:stCondLst>
+                                        </p:cTn>
+                                        <p:tgtEl>
+                                          <p:spTgt spid="18"/>
+                                        </p:tgtEl>
+                                        <p:attrNameLst>
+                                          <p:attrName>style.visibility</p:attrName>
+                                        </p:attrNameLst>
+                                      </p:cBhvr>
+                                      <p:to>
+                                        <p:strVal val="visible"/>
+                                      </p:to>
+                                    </p:set>
+                                    <p:animEffect transition="in" filter="fade">
+                                      <p:cBhvr>
+                                        <p:cTn id="17" dur="1000"/>
+                                        <p:tgtEl>
+                                          <p:spTgt spid="18"/>
+                                        </p:tgtEl>
+                                      </p:cBhvr>
+                                    </p:animEffect>
+                                  </p:childTnLst>
+                                </p:cTn>
+                              </p:par>
+                            </p:childTnLst>
+                          </p:cTn>
+                        </p:par>
+                      </p:childTnLst>
+                    </p:cTn>
+                  </p:par>
+                  <p:par>
+                    <p:cTn id="18" fill="hold">
+                      <p:stCondLst>
+                        <p:cond delay="indefinite"/>
+                      </p:stCondLst>
+                      <p:childTnLst>
+                        <p:par>
+                          <p:cTn id="19" fill="hold">
+                            <p:stCondLst>
+                              <p:cond delay="0"/>
+                            </p:stCondLst>
+                            <p:childTnLst>
+                              <p:par>
+                                <p:cTn id="20" presetID="10" presetClass="exit" presetSubtype="0" fill="hold" grpId="1" nodeType="clickEffect">
+                                  <p:stCondLst>
+                                    <p:cond delay="0"/>
+                                  </p:stCondLst>
+                                  <p:childTnLst>
+                                    <p:animEffect transition="out" filter="fade">
+                                      <p:cBhvr>
+                                        <p:cTn id="21" dur="500"/>
+                                        <p:tgtEl>
+                                          <p:spTgt spid="18"/>
+                                        </p:tgtEl>
+                                      </p:cBhvr>
+                                    </p:animEffect>
+                                    <p:set>
+                                      <p:cBhvr>
+                                        <p:cTn id="22" dur="1" fill="hold">
+                                          <p:stCondLst>
+                                            <p:cond delay="499"/>
+                                          </p:stCondLst>
+                                        </p:cTn>
+                                        <p:tgtEl>
+                                          <p:spTgt spid="18"/>
+                                        </p:tgtEl>
+                                        <p:attrNameLst>
+                                          <p:attrName>style.visibility</p:attrName>
+                                        </p:attrNameLst>
+                                      </p:cBhvr>
+                                      <p:to>
+                                        <p:strVal val="hidden"/>
+                                      </p:to>
+                                    </p:set>
+                                  </p:childTnLst>
+                                </p:cTn>
+                              </p:par>
+                            </p:childTnLst>
+                          </p:cTn>
+                        </p:par>
+                      </p:childTnLst>
+                    </p:cTn>
+                  </p:par>
+                  <p:par>
+                    <p:cTn id="23" fill="hold">
+                      <p:stCondLst>
+                        <p:cond delay="indefinite"/>
+                      </p:stCondLst>
+                      <p:childTnLst>
+                        <p:par>
+                          <p:cTn id="24" fill="hold">
+                            <p:stCondLst>
+                              <p:cond delay="0"/>
+                            </p:stCondLst>
+                            <p:childTnLst>
+                              <p:par>
+                                <p:cTn id="25" presetID="10" presetClass="entr" presetSubtype="0" fill="hold" grpId="0" nodeType="clickEffect">
+                                  <p:stCondLst>
+                                    <p:cond delay="0"/>
+                                  </p:stCondLst>
+                                  <p:childTnLst>
+                                    <p:set>
+                                      <p:cBhvr>
+                                        <p:cTn id="26" dur="1" fill="hold">
+                                          <p:stCondLst>
+                                            <p:cond delay="0"/>
+                                          </p:stCondLst>
+                                        </p:cTn>
+                                        <p:tgtEl>
+                                          <p:spTgt spid="19"/>
+                                        </p:tgtEl>
+                                        <p:attrNameLst>
+                                          <p:attrName>style.visibility</p:attrName>
+                                        </p:attrNameLst>
+                                      </p:cBhvr>
+                                      <p:to>
+                                        <p:strVal val="visible"/>
+                                      </p:to>
+                                    </p:set>
+                                    <p:animEffect transition="in" filter="fade">
+                                      <p:cBhvr>
+                                        <p:cTn id="27" dur="1000"/>
+                                        <p:tgtEl>
+                                          <p:spTgt spid="19"/>
+                                        </p:tgtEl>
+                                      </p:cBhvr>
+                                    </p:animEffect>
+                                  </p:childTnLst>
+                                </p:cTn>
+                              </p:par>
+                            </p:childTnLst>
+                          </p:cTn>
+                        </p:par>
+                      </p:childTnLst>
+                    </p:cTn>
+                  </p:par>
+                  <p:par>
+                    <p:cTn id="28" fill="hold">
+                      <p:stCondLst>
+                        <p:cond delay="indefinite"/>
+                      </p:stCondLst>
+                      <p:childTnLst>
+                        <p:par>
+                          <p:cTn id="29" fill="hold">
+                            <p:stCondLst>
+                              <p:cond delay="0"/>
+                            </p:stCondLst>
+                            <p:childTnLst>
+                              <p:par>
+                                <p:cTn id="30" presetID="10" presetClass="exit" presetSubtype="0" fill="hold" grpId="1" nodeType="clickEffect">
+                                  <p:stCondLst>
+                                    <p:cond delay="0"/>
+                                  </p:stCondLst>
+                                  <p:childTnLst>
+                                    <p:animEffect transition="out" filter="fade">
+                                      <p:cBhvr>
+                                        <p:cTn id="31" dur="500"/>
+                                        <p:tgtEl>
+                                          <p:spTgt spid="19"/>
+                                        </p:tgtEl>
+                                      </p:cBhvr>
+                                    </p:animEffect>
+                                    <p:set>
+                                      <p:cBhvr>
+                                        <p:cTn id="32" dur="1" fill="hold">
+                                          <p:stCondLst>
+                                            <p:cond delay="499"/>
+                                          </p:stCondLst>
+                                        </p:cTn>
+                                        <p:tgtEl>
+                                          <p:spTgt spid="19"/>
+                                        </p:tgtEl>
+                                        <p:attrNameLst>
+                                          <p:attrName>style.visibility</p:attrName>
+                                        </p:attrNameLst>
+                                      </p:cBhvr>
+                                      <p:to>
+                                        <p:strVal val="hidden"/>
+                                      </p:to>
+                                    </p:set>
+                                  </p:childTnLst>
+                                </p:cTn>
+                              </p:par>
+                            </p:childTnLst>
+                          </p:cTn>
+                        </p:par>
+                      </p:childTnLst>
+                    </p:cTn>
+                  </p:par>
+                  <p:par>
+                    <p:cTn id="33" fill="hold">
+                      <p:stCondLst>
+                        <p:cond delay="indefinite"/>
+                      </p:stCondLst>
+                      <p:childTnLst>
+                        <p:par>
+                          <p:cTn id="34" fill="hold">
+                            <p:stCondLst>
+                              <p:cond delay="0"/>
+                            </p:stCondLst>
+                            <p:childTnLst>
+                              <p:par>
+                                <p:cTn id="35" presetID="10" presetClass="entr" presetSubtype="0" fill="hold" grpId="0" nodeType="clickEffect">
+                                  <p:stCondLst>
+                                    <p:cond delay="0"/>
+                                  </p:stCondLst>
+                                  <p:childTnLst>
+                                    <p:set>
+                                      <p:cBhvr>
+                                        <p:cTn id="36" dur="1" fill="hold">
+                                          <p:stCondLst>
+                                            <p:cond delay="0"/>
+                                          </p:stCondLst>
+                                        </p:cTn>
+                                        <p:tgtEl>
+                                          <p:spTgt spid="20"/>
+                                        </p:tgtEl>
+                                        <p:attrNameLst>
+                                          <p:attrName>style.visibility</p:attrName>
+                                        </p:attrNameLst>
+                                      </p:cBhvr>
+                                      <p:to>
+                                        <p:strVal val="visible"/>
+                                      </p:to>
+                                    </p:set>
+                                    <p:animEffect transition="in" filter="fade">
+                                      <p:cBhvr>
+                                        <p:cTn id="37" dur="1000"/>
+                                        <p:tgtEl>
+                                          <p:spTgt spid="20"/>
+                                        </p:tgtEl>
+                                      </p:cBhvr>
+                                    </p:animEffect>
+                                  </p:childTnLst>
+                                </p:cTn>
+                              </p:par>
+                            </p:childTnLst>
+                          </p:cTn>
+                        </p:par>
+                      </p:childTnLst>
+                    </p:cTn>
+                  </p:par>
+                  <p:par>
+                    <p:cTn id="38" fill="hold">
+                      <p:stCondLst>
+                        <p:cond delay="indefinite"/>
+                      </p:stCondLst>
+                      <p:childTnLst>
+                        <p:par>
+                          <p:cTn id="39" fill="hold">
+                            <p:stCondLst>
+                              <p:cond delay="0"/>
+                            </p:stCondLst>
+                            <p:childTnLst>
+                              <p:par>
+                                <p:cTn id="40" presetID="10" presetClass="exit" presetSubtype="0" fill="hold" grpId="1" nodeType="clickEffect">
+                                  <p:stCondLst>
+                                    <p:cond delay="0"/>
+                                  </p:stCondLst>
+                                  <p:childTnLst>
+                                    <p:animEffect transition="out" filter="fade">
+                                      <p:cBhvr>
+                                        <p:cTn id="41" dur="500"/>
+                                        <p:tgtEl>
+                                          <p:spTgt spid="20"/>
+                                        </p:tgtEl>
+                                      </p:cBhvr>
+                                    </p:animEffect>
+                                    <p:set>
+                                      <p:cBhvr>
+                                        <p:cTn id="42" dur="1" fill="hold">
+                                          <p:stCondLst>
+                                            <p:cond delay="499"/>
+                                          </p:stCondLst>
+                                        </p:cTn>
+                                        <p:tgtEl>
+                                          <p:spTgt spid="20"/>
+                                        </p:tgtEl>
+                                        <p:attrNameLst>
+                                          <p:attrName>style.visibility</p:attrName>
+                                        </p:attrNameLst>
+                                      </p:cBhvr>
+                                      <p:to>
+                                        <p:strVal val="hidden"/>
+                                      </p:to>
+                                    </p:set>
+                                  </p:childTnLst>
+                                </p:cTn>
+                              </p:par>
+                            </p:childTnLst>
+                          </p:cTn>
+                        </p:par>
+                      </p:childTnLst>
+                    </p:cTn>
+                  </p:par>
+                  <p:par>
+                    <p:cTn id="43" fill="hold">
+                      <p:stCondLst>
+                        <p:cond delay="indefinite"/>
+                      </p:stCondLst>
+                      <p:childTnLst>
+                        <p:par>
+                          <p:cTn id="44" fill="hold">
+                            <p:stCondLst>
+                              <p:cond delay="0"/>
+                            </p:stCondLst>
+                            <p:childTnLst>
+                              <p:par>
+                                <p:cTn id="45" presetID="10" presetClass="entr" presetSubtype="0" fill="hold" grpId="0" nodeType="clickEffect">
+                                  <p:stCondLst>
+                                    <p:cond delay="0"/>
+                                  </p:stCondLst>
+                                  <p:childTnLst>
+                                    <p:set>
+                                      <p:cBhvr>
+                                        <p:cTn id="46" dur="1" fill="hold">
+                                          <p:stCondLst>
+                                            <p:cond delay="0"/>
+                                          </p:stCondLst>
+                                        </p:cTn>
+                                        <p:tgtEl>
+                                          <p:spTgt spid="21"/>
+                                        </p:tgtEl>
+                                        <p:attrNameLst>
+                                          <p:attrName>style.visibility</p:attrName>
+                                        </p:attrNameLst>
+                                      </p:cBhvr>
+                                      <p:to>
+                                        <p:strVal val="visible"/>
+                                      </p:to>
+                                    </p:set>
+                                    <p:animEffect transition="in" filter="fade">
+                                      <p:cBhvr>
+                                        <p:cTn id="47" dur="1000"/>
+                                        <p:tgtEl>
+                                          <p:spTgt spid="21"/>
+                                        </p:tgtEl>
+                                      </p:cBhvr>
+                                    </p:animEffect>
+                                  </p:childTnLst>
+                                </p:cTn>
+                              </p:par>
+                            </p:childTnLst>
+                          </p:cTn>
+                        </p:par>
+                      </p:childTnLst>
+                    </p:cTn>
+                  </p:par>
+                  <p:par>
+                    <p:cTn id="48" fill="hold">
+                      <p:stCondLst>
+                        <p:cond delay="indefinite"/>
+                      </p:stCondLst>
+                      <p:childTnLst>
+                        <p:par>
+                          <p:cTn id="49" fill="hold">
+                            <p:stCondLst>
+                              <p:cond delay="0"/>
+                            </p:stCondLst>
+                            <p:childTnLst>
+                              <p:par>
+                                <p:cTn id="50" presetID="10" presetClass="exit" presetSubtype="0" fill="hold" grpId="1" nodeType="clickEffect">
+                                  <p:stCondLst>
+                                    <p:cond delay="0"/>
+                                  </p:stCondLst>
+                                  <p:childTnLst>
+                                    <p:animEffect transition="out" filter="fade">
+                                      <p:cBhvr>
+                                        <p:cTn id="51" dur="500"/>
+                                        <p:tgtEl>
+                                          <p:spTgt spid="21"/>
+                                        </p:tgtEl>
+                                      </p:cBhvr>
+                                    </p:animEffect>
+                                    <p:set>
+                                      <p:cBhvr>
+                                        <p:cTn id="52" dur="1" fill="hold">
+                                          <p:stCondLst>
+                                            <p:cond delay="499"/>
+                                          </p:stCondLst>
+                                        </p:cTn>
+                                        <p:tgtEl>
+                                          <p:spTgt spid="21"/>
+                                        </p:tgtEl>
+                                        <p:attrNameLst>
+                                          <p:attrName>style.visibility</p:attrName>
+                                        </p:attrNameLst>
+                                      </p:cBhvr>
+                                      <p:to>
+                                        <p:strVal val="hidden"/>
+                                      </p:to>
+                                    </p:set>
+                                  </p:childTnLst>
+                                </p:cTn>
+                              </p:par>
+                            </p:childTnLst>
+                          </p:cTn>
+                        </p:par>
+                      </p:childTnLst>
+                    </p:cTn>
+                  </p:par>
+                  <p:par>
+                    <p:cTn id="53" fill="hold">
+                      <p:stCondLst>
+                        <p:cond delay="indefinite"/>
+                      </p:stCondLst>
+                      <p:childTnLst>
+                        <p:par>
+                          <p:cTn id="54" fill="hold">
+                            <p:stCondLst>
+                              <p:cond delay="0"/>
+                            </p:stCondLst>
+                            <p:childTnLst>
+                              <p:par>
+                                <p:cTn id="55" presetID="10" presetClass="entr" presetSubtype="0" fill="hold" grpId="0" nodeType="clickEffect">
+                                  <p:stCondLst>
+                                    <p:cond delay="0"/>
+                                  </p:stCondLst>
+                                  <p:childTnLst>
+                                    <p:set>
+                                      <p:cBhvr>
+                                        <p:cTn id="56" dur="1" fill="hold">
+                                          <p:stCondLst>
+                                            <p:cond delay="0"/>
+                                          </p:stCondLst>
+                                        </p:cTn>
+                                        <p:tgtEl>
+                                          <p:spTgt spid="22"/>
+                                        </p:tgtEl>
+                                        <p:attrNameLst>
+                                          <p:attrName>style.visibility</p:attrName>
+                                        </p:attrNameLst>
+                                      </p:cBhvr>
+                                      <p:to>
+                                        <p:strVal val="visible"/>
+                                      </p:to>
+                                    </p:set>
+                                    <p:animEffect transition="in" filter="fade">
+                                      <p:cBhvr>
+                                        <p:cTn id="57" dur="1000"/>
+                                        <p:tgtEl>
+                                          <p:spTgt spid="22"/>
+                                        </p:tgtEl>
+                                      </p:cBhvr>
+                                    </p:animEffect>
+                                  </p:childTnLst>
+                                </p:cTn>
+                              </p:par>
+                            </p:childTnLst>
+                          </p:cTn>
+                        </p:par>
+                      </p:childTnLst>
+                    </p:cTn>
+                  </p:par>
+                  <p:par>
+                    <p:cTn id="58" fill="hold">
+                      <p:stCondLst>
+                        <p:cond delay="indefinite"/>
+                      </p:stCondLst>
+                      <p:childTnLst>
+                        <p:par>
+                          <p:cTn id="59" fill="hold">
+                            <p:stCondLst>
+                              <p:cond delay="0"/>
+                            </p:stCondLst>
+                            <p:childTnLst>
+                              <p:par>
+                                <p:cTn id="60" presetID="10" presetClass="exit" presetSubtype="0" fill="hold" grpId="1" nodeType="clickEffect">
+                                  <p:stCondLst>
+                                    <p:cond delay="0"/>
+                                  </p:stCondLst>
+                                  <p:childTnLst>
+                                    <p:animEffect transition="out" filter="fade">
+                                      <p:cBhvr>
+                                        <p:cTn id="61" dur="500"/>
+                                        <p:tgtEl>
+                                          <p:spTgt spid="22"/>
+                                        </p:tgtEl>
+                                      </p:cBhvr>
+                                    </p:animEffect>
+                                    <p:set>
+                                      <p:cBhvr>
+                                        <p:cTn id="62" dur="1" fill="hold">
+                                          <p:stCondLst>
+                                            <p:cond delay="499"/>
+                                          </p:stCondLst>
+                                        </p:cTn>
+                                        <p:tgtEl>
+                                          <p:spTgt spid="22"/>
+                                        </p:tgtEl>
+                                        <p:attrNameLst>
+                                          <p:attrName>style.visibility</p:attrName>
+                                        </p:attrNameLst>
+                                      </p:cBhvr>
+                                      <p:to>
+                                        <p:strVal val="hidden"/>
+                                      </p:to>
+                                    </p:set>
+                                  </p:childTnLst>
+                                </p:cTn>
+                              </p:par>
+                            </p:childTnLst>
+                          </p:cTn>
+                        </p:par>
+                      </p:childTnLst>
+                    </p:cTn>
+                  </p:par>
+                </p:childTnLst>
+              </p:cTn>
+              <p:prevCondLst>
+                <p:cond evt="onPrev" delay="0">
+                  <p:tgtEl>
+                    <p:sldTgt/>
+                  </p:tgtEl>
+                </p:cond>
+              </p:prevCondLst>
+              <p:nextCondLst>
+                <p:cond evt="onNext" delay="0">
+                  <p:tgtEl>
+                    <p:sldTgt/>
+                  </p:tgtEl>
+                </p:cond>
+              </p:nextCondLst>
+            </p:seq>
+          </p:childTnLst>
+        </p:cTn>
+      </p:par>
+    </p:tnLst>
+    <p:bldLst>
+      <p:bldP spid="17" grpId="0"/>
+      <p:bldP spid="17" grpId="1"/>
+      <p:bldP spid="18" grpId="0"/>
+      <p:bldP spid="18" grpId="1"/>
+      <p:bldP spid="19" grpId="0"/>
+      <p:bldP spid="19" grpId="1"/>
+      <p:bldP spid="20" grpId="0"/>
+      <p:bldP spid="20" grpId="1"/>
+      <p:bldP spid="21" grpId="0"/>
+      <p:bldP spid="21" grpId="1"/>
+      <p:bldP spid="22" grpId="0"/>
+      <p:bldP spid="22" grpId="1"/>
+    </p:bldLst>
+  </p:timing>
 </p:sld>
 </file>
 
@@ -4277,56 +6210,42 @@
           <a:chExt cx="0" cy="0"/>
         </a:xfrm>
       </p:grpSpPr>
-      <p:sp>
-        <p:nvSpPr>
-          <p:cNvPr id="2" name="제목 1">
-            <a:extLst>
-              <a:ext uri="{FF2B5EF4-FFF2-40B4-BE49-F238E27FC236}">
-                <a16:creationId xmlns:a16="http://schemas.microsoft.com/office/drawing/2014/main" id="{917BB0C6-C1A2-0931-0761-2E4D0DE31666}"/>
-              </a:ext>
-            </a:extLst>
-          </p:cNvPr>
-          <p:cNvSpPr>
-            <a:spLocks noGrp="1"/>
-          </p:cNvSpPr>
-          <p:nvPr>
-            <p:ph type="title"/>
-          </p:nvPr>
-        </p:nvSpPr>
-        <p:spPr/>
-        <p:txBody>
-          <a:bodyPr/>
-          <a:lstStyle/>
-          <a:p>
-            <a:endParaRPr lang="ko-KR" altLang="en-US"/>
-          </a:p>
-        </p:txBody>
-      </p:sp>
-      <p:sp>
-        <p:nvSpPr>
-          <p:cNvPr id="3" name="내용 개체 틀 2">
-            <a:extLst>
-              <a:ext uri="{FF2B5EF4-FFF2-40B4-BE49-F238E27FC236}">
-                <a16:creationId xmlns:a16="http://schemas.microsoft.com/office/drawing/2014/main" id="{F9327DEF-1964-13AC-E07E-F492406E0955}"/>
-              </a:ext>
-            </a:extLst>
-          </p:cNvPr>
-          <p:cNvSpPr>
-            <a:spLocks noGrp="1"/>
-          </p:cNvSpPr>
-          <p:nvPr>
-            <p:ph idx="1"/>
-          </p:nvPr>
-        </p:nvSpPr>
-        <p:spPr/>
-        <p:txBody>
-          <a:bodyPr/>
-          <a:lstStyle/>
-          <a:p>
-            <a:endParaRPr lang="ko-KR" altLang="en-US"/>
-          </a:p>
-        </p:txBody>
-      </p:sp>
+      <p:pic>
+        <p:nvPicPr>
+          <p:cNvPr id="9" name="그림 8">
+            <a:extLst>
+              <a:ext uri="{FF2B5EF4-FFF2-40B4-BE49-F238E27FC236}">
+                <a16:creationId xmlns:a16="http://schemas.microsoft.com/office/drawing/2014/main" id="{5D6CAF5B-F7FD-EDC5-7F60-3CBAE5A71BF0}"/>
+              </a:ext>
+            </a:extLst>
+          </p:cNvPr>
+          <p:cNvPicPr>
+            <a:picLocks noChangeAspect="1"/>
+          </p:cNvPicPr>
+          <p:nvPr/>
+        </p:nvPicPr>
+        <p:blipFill>
+          <a:blip r:embed="rId2">
+            <a:extLst>
+              <a:ext uri="{28A0092B-C50C-407E-A947-70E740481C1C}">
+                <a14:useLocalDpi xmlns:a14="http://schemas.microsoft.com/office/drawing/2010/main" val="0"/>
+              </a:ext>
+            </a:extLst>
+          </a:blip>
+          <a:stretch>
+            <a:fillRect/>
+          </a:stretch>
+        </p:blipFill>
+        <p:spPr>
+          <a:xfrm>
+            <a:off x="2072697" y="577108"/>
+            <a:ext cx="8046605" cy="5703784"/>
+          </a:xfrm>
+          <a:prstGeom prst="rect">
+            <a:avLst/>
+          </a:prstGeom>
+        </p:spPr>
+      </p:pic>
     </p:spTree>
     <p:extLst>
       <p:ext uri="{BB962C8B-B14F-4D97-AF65-F5344CB8AC3E}">
@@ -4337,6 +6256,9 @@
   <p:clrMapOvr>
     <a:masterClrMapping/>
   </p:clrMapOvr>
+  <p:transition spd="slow">
+    <p:wipe/>
+  </p:transition>
 </p:sld>
 </file>
 
@@ -4359,64 +6281,402 @@
       </p:grpSpPr>
       <p:sp>
         <p:nvSpPr>
-          <p:cNvPr id="2" name="제목 1">
-            <a:extLst>
-              <a:ext uri="{FF2B5EF4-FFF2-40B4-BE49-F238E27FC236}">
-                <a16:creationId xmlns:a16="http://schemas.microsoft.com/office/drawing/2014/main" id="{C3FA28C5-2560-F6B3-6B1D-A371A6F364AE}"/>
-              </a:ext>
-            </a:extLst>
-          </p:cNvPr>
-          <p:cNvSpPr>
-            <a:spLocks noGrp="1"/>
-          </p:cNvSpPr>
-          <p:nvPr>
-            <p:ph type="title"/>
-          </p:nvPr>
-        </p:nvSpPr>
-        <p:spPr/>
-        <p:txBody>
-          <a:bodyPr/>
+          <p:cNvPr id="4" name="TextBox 3">
+            <a:extLst>
+              <a:ext uri="{FF2B5EF4-FFF2-40B4-BE49-F238E27FC236}">
+                <a16:creationId xmlns:a16="http://schemas.microsoft.com/office/drawing/2014/main" id="{53764376-1D4C-9F61-23A0-E998644A351B}"/>
+              </a:ext>
+            </a:extLst>
+          </p:cNvPr>
+          <p:cNvSpPr txBox="1"/>
+          <p:nvPr/>
+        </p:nvSpPr>
+        <p:spPr>
+          <a:xfrm>
+            <a:off x="1027545" y="1256318"/>
+            <a:ext cx="10136909" cy="1323439"/>
+          </a:xfrm>
+          <a:prstGeom prst="rect">
+            <a:avLst/>
+          </a:prstGeom>
+          <a:noFill/>
+        </p:spPr>
+        <p:txBody>
+          <a:bodyPr wrap="square" rtlCol="0">
+            <a:spAutoFit/>
+          </a:bodyPr>
           <a:lstStyle/>
           <a:p>
-            <a:endParaRPr lang="ko-KR" altLang="en-US"/>
-          </a:p>
-        </p:txBody>
-      </p:sp>
-      <p:sp>
-        <p:nvSpPr>
-          <p:cNvPr id="3" name="내용 개체 틀 2">
-            <a:extLst>
-              <a:ext uri="{FF2B5EF4-FFF2-40B4-BE49-F238E27FC236}">
-                <a16:creationId xmlns:a16="http://schemas.microsoft.com/office/drawing/2014/main" id="{075C1965-4287-A38F-DD08-0626EC137BBF}"/>
-              </a:ext>
-            </a:extLst>
-          </p:cNvPr>
-          <p:cNvSpPr>
-            <a:spLocks noGrp="1"/>
-          </p:cNvSpPr>
-          <p:nvPr>
-            <p:ph idx="1"/>
-          </p:nvPr>
-        </p:nvSpPr>
-        <p:spPr/>
-        <p:txBody>
-          <a:bodyPr/>
+            <a:r>
+              <a:rPr lang="ko-KR" altLang="en-US" sz="8000" b="1" dirty="0">
+                <a:effectLst>
+                  <a:outerShdw blurRad="38100" dist="38100" dir="2700000" algn="tl">
+                    <a:srgbClr val="000000">
+                      <a:alpha val="43137"/>
+                    </a:srgbClr>
+                  </a:outerShdw>
+                </a:effectLst>
+                <a:latin typeface="나눔스퀘어"/>
+                <a:ea typeface="나눔고딕" panose="020D0604000000000000" pitchFamily="50" charset="-127"/>
+              </a:rPr>
+              <a:t>컴퓨터 소프트웨어학과</a:t>
+            </a:r>
+          </a:p>
+        </p:txBody>
+      </p:sp>
+      <p:sp>
+        <p:nvSpPr>
+          <p:cNvPr id="5" name="TextBox 4">
+            <a:extLst>
+              <a:ext uri="{FF2B5EF4-FFF2-40B4-BE49-F238E27FC236}">
+                <a16:creationId xmlns:a16="http://schemas.microsoft.com/office/drawing/2014/main" id="{183286C7-4D0F-BE4B-4627-86A3D8AEFAD0}"/>
+              </a:ext>
+            </a:extLst>
+          </p:cNvPr>
+          <p:cNvSpPr txBox="1"/>
+          <p:nvPr/>
+        </p:nvSpPr>
+        <p:spPr>
+          <a:xfrm>
+            <a:off x="1928091" y="4278243"/>
+            <a:ext cx="10136909" cy="1323439"/>
+          </a:xfrm>
+          <a:prstGeom prst="rect">
+            <a:avLst/>
+          </a:prstGeom>
+          <a:noFill/>
+        </p:spPr>
+        <p:txBody>
+          <a:bodyPr wrap="square" rtlCol="0">
+            <a:spAutoFit/>
+          </a:bodyPr>
           <a:lstStyle/>
           <a:p>
-            <a:endParaRPr lang="ko-KR" altLang="en-US"/>
-          </a:p>
-        </p:txBody>
-      </p:sp>
+            <a:r>
+              <a:rPr lang="ko-KR" altLang="en-US" sz="8000" b="1">
+                <a:effectLst>
+                  <a:outerShdw blurRad="38100" dist="38100" dir="2700000" algn="tl">
+                    <a:srgbClr val="000000">
+                      <a:alpha val="43137"/>
+                    </a:srgbClr>
+                  </a:outerShdw>
+                </a:effectLst>
+                <a:latin typeface="나눔고딕" panose="020D0604000000000000" pitchFamily="50" charset="-127"/>
+                <a:ea typeface="나눔고딕" panose="020D0604000000000000" pitchFamily="50" charset="-127"/>
+              </a:rPr>
+              <a:t>소프트웨어 개발자</a:t>
+            </a:r>
+            <a:endParaRPr lang="ko-KR" altLang="en-US" sz="8000" b="1" dirty="0">
+              <a:effectLst>
+                <a:outerShdw blurRad="38100" dist="38100" dir="2700000" algn="tl">
+                  <a:srgbClr val="000000">
+                    <a:alpha val="43137"/>
+                  </a:srgbClr>
+                </a:outerShdw>
+              </a:effectLst>
+              <a:latin typeface="나눔고딕" panose="020D0604000000000000" pitchFamily="50" charset="-127"/>
+              <a:ea typeface="나눔고딕" panose="020D0604000000000000" pitchFamily="50" charset="-127"/>
+            </a:endParaRPr>
+          </a:p>
+        </p:txBody>
+      </p:sp>
+      <p:pic>
+        <p:nvPicPr>
+          <p:cNvPr id="7" name="그래픽 6" descr="추가 단색으로 채워진">
+            <a:extLst>
+              <a:ext uri="{FF2B5EF4-FFF2-40B4-BE49-F238E27FC236}">
+                <a16:creationId xmlns:a16="http://schemas.microsoft.com/office/drawing/2014/main" id="{E4D29FA0-8FCA-5539-E6E5-8DB59E485E48}"/>
+              </a:ext>
+            </a:extLst>
+          </p:cNvPr>
+          <p:cNvPicPr>
+            <a:picLocks noChangeAspect="1"/>
+          </p:cNvPicPr>
+          <p:nvPr/>
+        </p:nvPicPr>
+        <p:blipFill>
+          <a:blip r:embed="rId2">
+            <a:extLst>
+              <a:ext uri="{28A0092B-C50C-407E-A947-70E740481C1C}">
+                <a14:useLocalDpi xmlns:a14="http://schemas.microsoft.com/office/drawing/2010/main" val="0"/>
+              </a:ext>
+              <a:ext uri="{96DAC541-7B7A-43D3-8B79-37D633B846F1}">
+                <asvg:svgBlip xmlns:asvg="http://schemas.microsoft.com/office/drawing/2016/SVG/main" r:embed="rId3"/>
+              </a:ext>
+            </a:extLst>
+          </a:blip>
+          <a:stretch>
+            <a:fillRect/>
+          </a:stretch>
+        </p:blipFill>
+        <p:spPr>
+          <a:xfrm>
+            <a:off x="5502563" y="2944090"/>
+            <a:ext cx="1186873" cy="1186873"/>
+          </a:xfrm>
+          <a:prstGeom prst="rect">
+            <a:avLst/>
+          </a:prstGeom>
+        </p:spPr>
+      </p:pic>
     </p:spTree>
     <p:extLst>
       <p:ext uri="{BB962C8B-B14F-4D97-AF65-F5344CB8AC3E}">
-        <p14:creationId xmlns:p14="http://schemas.microsoft.com/office/powerpoint/2010/main" val="1901622074"/>
+        <p14:creationId xmlns:p14="http://schemas.microsoft.com/office/powerpoint/2010/main" val="1146035965"/>
       </p:ext>
     </p:extLst>
   </p:cSld>
   <p:clrMapOvr>
     <a:masterClrMapping/>
   </p:clrMapOvr>
+  <p:timing>
+    <p:tnLst>
+      <p:par>
+        <p:cTn id="1" dur="indefinite" restart="never" nodeType="tmRoot">
+          <p:childTnLst>
+            <p:seq concurrent="1" nextAc="seek">
+              <p:cTn id="2" dur="indefinite" nodeType="mainSeq">
+                <p:childTnLst>
+                  <p:par>
+                    <p:cTn id="3" fill="hold">
+                      <p:stCondLst>
+                        <p:cond delay="indefinite"/>
+                      </p:stCondLst>
+                      <p:childTnLst>
+                        <p:par>
+                          <p:cTn id="4" fill="hold">
+                            <p:stCondLst>
+                              <p:cond delay="0"/>
+                            </p:stCondLst>
+                            <p:childTnLst>
+                              <p:par>
+                                <p:cTn id="5" presetID="10" presetClass="entr" presetSubtype="0" fill="hold" grpId="0" nodeType="clickEffect">
+                                  <p:stCondLst>
+                                    <p:cond delay="0"/>
+                                  </p:stCondLst>
+                                  <p:childTnLst>
+                                    <p:set>
+                                      <p:cBhvr>
+                                        <p:cTn id="6" dur="1" fill="hold">
+                                          <p:stCondLst>
+                                            <p:cond delay="0"/>
+                                          </p:stCondLst>
+                                        </p:cTn>
+                                        <p:tgtEl>
+                                          <p:spTgt spid="4"/>
+                                        </p:tgtEl>
+                                        <p:attrNameLst>
+                                          <p:attrName>style.visibility</p:attrName>
+                                        </p:attrNameLst>
+                                      </p:cBhvr>
+                                      <p:to>
+                                        <p:strVal val="visible"/>
+                                      </p:to>
+                                    </p:set>
+                                    <p:animEffect transition="in" filter="fade">
+                                      <p:cBhvr>
+                                        <p:cTn id="7" dur="1000"/>
+                                        <p:tgtEl>
+                                          <p:spTgt spid="4"/>
+                                        </p:tgtEl>
+                                      </p:cBhvr>
+                                    </p:animEffect>
+                                  </p:childTnLst>
+                                </p:cTn>
+                              </p:par>
+                            </p:childTnLst>
+                          </p:cTn>
+                        </p:par>
+                      </p:childTnLst>
+                    </p:cTn>
+                  </p:par>
+                  <p:par>
+                    <p:cTn id="8" fill="hold">
+                      <p:stCondLst>
+                        <p:cond delay="indefinite"/>
+                      </p:stCondLst>
+                      <p:childTnLst>
+                        <p:par>
+                          <p:cTn id="9" fill="hold">
+                            <p:stCondLst>
+                              <p:cond delay="0"/>
+                            </p:stCondLst>
+                            <p:childTnLst>
+                              <p:par>
+                                <p:cTn id="10" presetID="10" presetClass="exit" presetSubtype="0" fill="hold" grpId="1" nodeType="clickEffect">
+                                  <p:stCondLst>
+                                    <p:cond delay="0"/>
+                                  </p:stCondLst>
+                                  <p:childTnLst>
+                                    <p:animEffect transition="out" filter="fade">
+                                      <p:cBhvr>
+                                        <p:cTn id="11" dur="500"/>
+                                        <p:tgtEl>
+                                          <p:spTgt spid="4"/>
+                                        </p:tgtEl>
+                                      </p:cBhvr>
+                                    </p:animEffect>
+                                    <p:set>
+                                      <p:cBhvr>
+                                        <p:cTn id="12" dur="1" fill="hold">
+                                          <p:stCondLst>
+                                            <p:cond delay="499"/>
+                                          </p:stCondLst>
+                                        </p:cTn>
+                                        <p:tgtEl>
+                                          <p:spTgt spid="4"/>
+                                        </p:tgtEl>
+                                        <p:attrNameLst>
+                                          <p:attrName>style.visibility</p:attrName>
+                                        </p:attrNameLst>
+                                      </p:cBhvr>
+                                      <p:to>
+                                        <p:strVal val="hidden"/>
+                                      </p:to>
+                                    </p:set>
+                                  </p:childTnLst>
+                                </p:cTn>
+                              </p:par>
+                            </p:childTnLst>
+                          </p:cTn>
+                        </p:par>
+                      </p:childTnLst>
+                    </p:cTn>
+                  </p:par>
+                  <p:par>
+                    <p:cTn id="13" fill="hold">
+                      <p:stCondLst>
+                        <p:cond delay="indefinite"/>
+                      </p:stCondLst>
+                      <p:childTnLst>
+                        <p:par>
+                          <p:cTn id="14" fill="hold">
+                            <p:stCondLst>
+                              <p:cond delay="0"/>
+                            </p:stCondLst>
+                            <p:childTnLst>
+                              <p:par>
+                                <p:cTn id="15" presetID="10" presetClass="entr" presetSubtype="0" fill="hold" grpId="0" nodeType="clickEffect">
+                                  <p:stCondLst>
+                                    <p:cond delay="0"/>
+                                  </p:stCondLst>
+                                  <p:childTnLst>
+                                    <p:set>
+                                      <p:cBhvr>
+                                        <p:cTn id="16" dur="1" fill="hold">
+                                          <p:stCondLst>
+                                            <p:cond delay="0"/>
+                                          </p:stCondLst>
+                                        </p:cTn>
+                                        <p:tgtEl>
+                                          <p:spTgt spid="5"/>
+                                        </p:tgtEl>
+                                        <p:attrNameLst>
+                                          <p:attrName>style.visibility</p:attrName>
+                                        </p:attrNameLst>
+                                      </p:cBhvr>
+                                      <p:to>
+                                        <p:strVal val="visible"/>
+                                      </p:to>
+                                    </p:set>
+                                    <p:animEffect transition="in" filter="fade">
+                                      <p:cBhvr>
+                                        <p:cTn id="17" dur="1000"/>
+                                        <p:tgtEl>
+                                          <p:spTgt spid="5"/>
+                                        </p:tgtEl>
+                                      </p:cBhvr>
+                                    </p:animEffect>
+                                  </p:childTnLst>
+                                </p:cTn>
+                              </p:par>
+                            </p:childTnLst>
+                          </p:cTn>
+                        </p:par>
+                      </p:childTnLst>
+                    </p:cTn>
+                  </p:par>
+                  <p:par>
+                    <p:cTn id="18" fill="hold">
+                      <p:stCondLst>
+                        <p:cond delay="indefinite"/>
+                      </p:stCondLst>
+                      <p:childTnLst>
+                        <p:par>
+                          <p:cTn id="19" fill="hold">
+                            <p:stCondLst>
+                              <p:cond delay="0"/>
+                            </p:stCondLst>
+                            <p:childTnLst>
+                              <p:par>
+                                <p:cTn id="20" presetID="10" presetClass="exit" presetSubtype="0" fill="hold" grpId="1" nodeType="clickEffect">
+                                  <p:stCondLst>
+                                    <p:cond delay="0"/>
+                                  </p:stCondLst>
+                                  <p:childTnLst>
+                                    <p:animEffect transition="out" filter="fade">
+                                      <p:cBhvr>
+                                        <p:cTn id="21" dur="500"/>
+                                        <p:tgtEl>
+                                          <p:spTgt spid="5"/>
+                                        </p:tgtEl>
+                                      </p:cBhvr>
+                                    </p:animEffect>
+                                    <p:set>
+                                      <p:cBhvr>
+                                        <p:cTn id="22" dur="1" fill="hold">
+                                          <p:stCondLst>
+                                            <p:cond delay="499"/>
+                                          </p:stCondLst>
+                                        </p:cTn>
+                                        <p:tgtEl>
+                                          <p:spTgt spid="5"/>
+                                        </p:tgtEl>
+                                        <p:attrNameLst>
+                                          <p:attrName>style.visibility</p:attrName>
+                                        </p:attrNameLst>
+                                      </p:cBhvr>
+                                      <p:to>
+                                        <p:strVal val="hidden"/>
+                                      </p:to>
+                                    </p:set>
+                                  </p:childTnLst>
+                                </p:cTn>
+                              </p:par>
+                            </p:childTnLst>
+                          </p:cTn>
+                        </p:par>
+                      </p:childTnLst>
+                    </p:cTn>
+                  </p:par>
+                </p:childTnLst>
+              </p:cTn>
+              <p:prevCondLst>
+                <p:cond evt="onPrev" delay="0">
+                  <p:tgtEl>
+                    <p:sldTgt/>
+                  </p:tgtEl>
+                </p:cond>
+              </p:prevCondLst>
+              <p:nextCondLst>
+                <p:cond evt="onNext" delay="0">
+                  <p:tgtEl>
+                    <p:sldTgt/>
+                  </p:tgtEl>
+                </p:cond>
+              </p:nextCondLst>
+            </p:seq>
+          </p:childTnLst>
+        </p:cTn>
+      </p:par>
+    </p:tnLst>
+    <p:bldLst>
+      <p:bldP spid="4" grpId="0"/>
+      <p:bldP spid="4" grpId="1"/>
+      <p:bldP spid="5" grpId="0"/>
+      <p:bldP spid="5" grpId="1"/>
+    </p:bldLst>
+  </p:timing>
 </p:sld>
 </file>
 
@@ -4437,56 +6697,6 @@
           <a:chExt cx="0" cy="0"/>
         </a:xfrm>
       </p:grpSpPr>
-      <p:sp>
-        <p:nvSpPr>
-          <p:cNvPr id="2" name="제목 1">
-            <a:extLst>
-              <a:ext uri="{FF2B5EF4-FFF2-40B4-BE49-F238E27FC236}">
-                <a16:creationId xmlns:a16="http://schemas.microsoft.com/office/drawing/2014/main" id="{3E771CA6-3CE6-A3BC-0A22-5878A2568C6C}"/>
-              </a:ext>
-            </a:extLst>
-          </p:cNvPr>
-          <p:cNvSpPr>
-            <a:spLocks noGrp="1"/>
-          </p:cNvSpPr>
-          <p:nvPr>
-            <p:ph type="title"/>
-          </p:nvPr>
-        </p:nvSpPr>
-        <p:spPr/>
-        <p:txBody>
-          <a:bodyPr/>
-          <a:lstStyle/>
-          <a:p>
-            <a:endParaRPr lang="ko-KR" altLang="en-US"/>
-          </a:p>
-        </p:txBody>
-      </p:sp>
-      <p:sp>
-        <p:nvSpPr>
-          <p:cNvPr id="3" name="내용 개체 틀 2">
-            <a:extLst>
-              <a:ext uri="{FF2B5EF4-FFF2-40B4-BE49-F238E27FC236}">
-                <a16:creationId xmlns:a16="http://schemas.microsoft.com/office/drawing/2014/main" id="{882CFAAF-5600-4F2E-9872-ED44639C125B}"/>
-              </a:ext>
-            </a:extLst>
-          </p:cNvPr>
-          <p:cNvSpPr>
-            <a:spLocks noGrp="1"/>
-          </p:cNvSpPr>
-          <p:nvPr>
-            <p:ph idx="1"/>
-          </p:nvPr>
-        </p:nvSpPr>
-        <p:spPr/>
-        <p:txBody>
-          <a:bodyPr/>
-          <a:lstStyle/>
-          <a:p>
-            <a:endParaRPr lang="ko-KR" altLang="en-US"/>
-          </a:p>
-        </p:txBody>
-      </p:sp>
     </p:spTree>
     <p:extLst>
       <p:ext uri="{BB962C8B-B14F-4D97-AF65-F5344CB8AC3E}">
